--- a/EMPLOYEE DATA ANALYSIS USING EXCEL.pptx
+++ b/EMPLOYEE DATA ANALYSIS USING EXCEL.pptx
@@ -5,10 +5,10 @@
     <p:sldMasterId id="2147483684" r:id="rId4"/>
   </p:sldMasterIdLst>
   <p:notesMasterIdLst>
-    <p:notesMasterId r:id="rId19"/>
+    <p:notesMasterId r:id="rId20"/>
   </p:notesMasterIdLst>
   <p:handoutMasterIdLst>
-    <p:handoutMasterId r:id="rId20"/>
+    <p:handoutMasterId r:id="rId21"/>
   </p:handoutMasterIdLst>
   <p:sldIdLst>
     <p:sldId id="256" r:id="rId5"/>
@@ -24,7 +24,8 @@
     <p:sldId id="267" r:id="rId15"/>
     <p:sldId id="268" r:id="rId16"/>
     <p:sldId id="269" r:id="rId17"/>
-    <p:sldId id="271" r:id="rId18"/>
+    <p:sldId id="272" r:id="rId18"/>
+    <p:sldId id="271" r:id="rId19"/>
   </p:sldIdLst>
   <p:sldSz cx="12192000" cy="6858000"/>
   <p:notesSz cx="6858000" cy="9144000"/>
@@ -141,6 +142,7 @@
             <p14:sldId id="267"/>
             <p14:sldId id="268"/>
             <p14:sldId id="269"/>
+            <p14:sldId id="272"/>
             <p14:sldId id="271"/>
           </p14:sldIdLst>
         </p14:section>
@@ -1037,11 +1039,11 @@
         </c:dLbls>
         <c:gapWidth val="219"/>
         <c:overlap val="-27"/>
-        <c:axId val="-301863488"/>
-        <c:axId val="-301862944"/>
+        <c:axId val="432061872"/>
+        <c:axId val="432062960"/>
       </c:barChart>
       <c:catAx>
-        <c:axId val="-301863488"/>
+        <c:axId val="432061872"/>
         <c:scaling>
           <c:orientation val="minMax"/>
         </c:scaling>
@@ -1084,7 +1086,7 @@
             <a:endParaRPr lang="en-US"/>
           </a:p>
         </c:txPr>
-        <c:crossAx val="-301862944"/>
+        <c:crossAx val="432062960"/>
         <c:crosses val="autoZero"/>
         <c:auto val="1"/>
         <c:lblAlgn val="ctr"/>
@@ -1092,7 +1094,7 @@
         <c:noMultiLvlLbl val="0"/>
       </c:catAx>
       <c:valAx>
-        <c:axId val="-301862944"/>
+        <c:axId val="432062960"/>
         <c:scaling>
           <c:orientation val="minMax"/>
         </c:scaling>
@@ -1143,7 +1145,7 @@
             <a:endParaRPr lang="en-US"/>
           </a:p>
         </c:txPr>
-        <c:crossAx val="-301863488"/>
+        <c:crossAx val="432061872"/>
         <c:crosses val="autoZero"/>
         <c:crossBetween val="between"/>
       </c:valAx>
@@ -1234,7 +1236,3097 @@
 </c:chartSpace>
 </file>
 
+<file path=ppt/charts/chart2.xml><?xml version="1.0" encoding="utf-8"?>
+<c:chartSpace xmlns:c="http://schemas.openxmlformats.org/drawingml/2006/chart" xmlns:a="http://schemas.openxmlformats.org/drawingml/2006/main" xmlns:r="http://schemas.openxmlformats.org/officeDocument/2006/relationships">
+  <c:date1904 val="0"/>
+  <c:lang val="en-US"/>
+  <c:roundedCorners val="0"/>
+  <mc:AlternateContent xmlns:mc="http://schemas.openxmlformats.org/markup-compatibility/2006">
+    <mc:Choice xmlns:c14="http://schemas.microsoft.com/office/drawing/2007/8/2/chart" Requires="c14">
+      <c14:style val="102"/>
+    </mc:Choice>
+    <mc:Fallback>
+      <c:style val="2"/>
+    </mc:Fallback>
+  </mc:AlternateContent>
+  <c:pivotSource>
+    <c:name>[NANDHINI DATA PROJECT1]Sheet1!PivotTable1</c:name>
+    <c:fmtId val="12"/>
+  </c:pivotSource>
+  <c:chart>
+    <c:title>
+      <c:layout/>
+      <c:overlay val="0"/>
+      <c:spPr>
+        <a:noFill/>
+        <a:ln>
+          <a:noFill/>
+        </a:ln>
+        <a:effectLst/>
+      </c:spPr>
+      <c:txPr>
+        <a:bodyPr rot="0" spcFirstLastPara="1" vertOverflow="ellipsis" vert="horz" wrap="square" anchor="ctr" anchorCtr="1"/>
+        <a:lstStyle/>
+        <a:p>
+          <a:pPr>
+            <a:defRPr sz="1400" b="0" i="0" u="none" strike="noStrike" kern="1200" spc="0" baseline="0">
+              <a:solidFill>
+                <a:schemeClr val="tx1">
+                  <a:lumMod val="65000"/>
+                  <a:lumOff val="35000"/>
+                </a:schemeClr>
+              </a:solidFill>
+              <a:latin typeface="+mn-lt"/>
+              <a:ea typeface="+mn-ea"/>
+              <a:cs typeface="+mn-cs"/>
+            </a:defRPr>
+          </a:pPr>
+          <a:endParaRPr lang="en-US"/>
+        </a:p>
+      </c:txPr>
+    </c:title>
+    <c:autoTitleDeleted val="0"/>
+    <c:pivotFmts>
+      <c:pivotFmt>
+        <c:idx val="0"/>
+        <c:spPr>
+          <a:solidFill>
+            <a:schemeClr val="accent1"/>
+          </a:solidFill>
+          <a:ln w="19050">
+            <a:solidFill>
+              <a:schemeClr val="lt1"/>
+            </a:solidFill>
+          </a:ln>
+          <a:effectLst/>
+        </c:spPr>
+        <c:marker>
+          <c:symbol val="none"/>
+        </c:marker>
+      </c:pivotFmt>
+      <c:pivotFmt>
+        <c:idx val="1"/>
+        <c:spPr>
+          <a:solidFill>
+            <a:schemeClr val="accent1"/>
+          </a:solidFill>
+          <a:ln w="19050">
+            <a:solidFill>
+              <a:schemeClr val="lt1"/>
+            </a:solidFill>
+          </a:ln>
+          <a:effectLst/>
+        </c:spPr>
+        <c:marker>
+          <c:symbol val="none"/>
+        </c:marker>
+      </c:pivotFmt>
+      <c:pivotFmt>
+        <c:idx val="2"/>
+        <c:spPr>
+          <a:solidFill>
+            <a:schemeClr val="accent1"/>
+          </a:solidFill>
+          <a:ln w="19050">
+            <a:solidFill>
+              <a:schemeClr val="lt1"/>
+            </a:solidFill>
+          </a:ln>
+          <a:effectLst/>
+        </c:spPr>
+        <c:marker>
+          <c:symbol val="none"/>
+        </c:marker>
+      </c:pivotFmt>
+      <c:pivotFmt>
+        <c:idx val="3"/>
+        <c:spPr>
+          <a:solidFill>
+            <a:schemeClr val="accent1"/>
+          </a:solidFill>
+          <a:ln w="19050">
+            <a:solidFill>
+              <a:schemeClr val="lt1"/>
+            </a:solidFill>
+          </a:ln>
+          <a:effectLst/>
+        </c:spPr>
+        <c:marker>
+          <c:symbol val="none"/>
+        </c:marker>
+      </c:pivotFmt>
+      <c:pivotFmt>
+        <c:idx val="4"/>
+        <c:spPr>
+          <a:solidFill>
+            <a:schemeClr val="accent1"/>
+          </a:solidFill>
+          <a:ln w="19050">
+            <a:solidFill>
+              <a:schemeClr val="lt1"/>
+            </a:solidFill>
+          </a:ln>
+          <a:effectLst/>
+        </c:spPr>
+        <c:marker>
+          <c:symbol val="none"/>
+        </c:marker>
+      </c:pivotFmt>
+      <c:pivotFmt>
+        <c:idx val="5"/>
+        <c:spPr>
+          <a:solidFill>
+            <a:schemeClr val="accent1"/>
+          </a:solidFill>
+          <a:ln w="19050">
+            <a:solidFill>
+              <a:schemeClr val="lt1"/>
+            </a:solidFill>
+          </a:ln>
+          <a:effectLst/>
+        </c:spPr>
+        <c:marker>
+          <c:symbol val="none"/>
+        </c:marker>
+      </c:pivotFmt>
+      <c:pivotFmt>
+        <c:idx val="6"/>
+        <c:spPr>
+          <a:solidFill>
+            <a:schemeClr val="accent1"/>
+          </a:solidFill>
+          <a:ln w="19050">
+            <a:solidFill>
+              <a:schemeClr val="lt1"/>
+            </a:solidFill>
+          </a:ln>
+          <a:effectLst/>
+        </c:spPr>
+      </c:pivotFmt>
+      <c:pivotFmt>
+        <c:idx val="7"/>
+        <c:spPr>
+          <a:solidFill>
+            <a:schemeClr val="accent1"/>
+          </a:solidFill>
+          <a:ln w="19050">
+            <a:solidFill>
+              <a:schemeClr val="lt1"/>
+            </a:solidFill>
+          </a:ln>
+          <a:effectLst/>
+        </c:spPr>
+      </c:pivotFmt>
+      <c:pivotFmt>
+        <c:idx val="8"/>
+        <c:spPr>
+          <a:solidFill>
+            <a:schemeClr val="accent1"/>
+          </a:solidFill>
+          <a:ln w="19050">
+            <a:solidFill>
+              <a:schemeClr val="lt1"/>
+            </a:solidFill>
+          </a:ln>
+          <a:effectLst/>
+        </c:spPr>
+      </c:pivotFmt>
+      <c:pivotFmt>
+        <c:idx val="9"/>
+        <c:spPr>
+          <a:solidFill>
+            <a:schemeClr val="accent1"/>
+          </a:solidFill>
+          <a:ln w="19050">
+            <a:solidFill>
+              <a:schemeClr val="lt1"/>
+            </a:solidFill>
+          </a:ln>
+          <a:effectLst/>
+        </c:spPr>
+      </c:pivotFmt>
+      <c:pivotFmt>
+        <c:idx val="10"/>
+        <c:spPr>
+          <a:solidFill>
+            <a:schemeClr val="accent1"/>
+          </a:solidFill>
+          <a:ln w="19050">
+            <a:solidFill>
+              <a:schemeClr val="lt1"/>
+            </a:solidFill>
+          </a:ln>
+          <a:effectLst/>
+        </c:spPr>
+      </c:pivotFmt>
+      <c:pivotFmt>
+        <c:idx val="11"/>
+        <c:spPr>
+          <a:solidFill>
+            <a:schemeClr val="accent1"/>
+          </a:solidFill>
+          <a:ln w="19050">
+            <a:solidFill>
+              <a:schemeClr val="lt1"/>
+            </a:solidFill>
+          </a:ln>
+          <a:effectLst/>
+        </c:spPr>
+      </c:pivotFmt>
+      <c:pivotFmt>
+        <c:idx val="12"/>
+        <c:spPr>
+          <a:solidFill>
+            <a:schemeClr val="accent1"/>
+          </a:solidFill>
+          <a:ln w="19050">
+            <a:solidFill>
+              <a:schemeClr val="lt1"/>
+            </a:solidFill>
+          </a:ln>
+          <a:effectLst/>
+        </c:spPr>
+      </c:pivotFmt>
+      <c:pivotFmt>
+        <c:idx val="13"/>
+        <c:spPr>
+          <a:solidFill>
+            <a:schemeClr val="accent1"/>
+          </a:solidFill>
+          <a:ln w="19050">
+            <a:solidFill>
+              <a:schemeClr val="lt1"/>
+            </a:solidFill>
+          </a:ln>
+          <a:effectLst/>
+        </c:spPr>
+      </c:pivotFmt>
+      <c:pivotFmt>
+        <c:idx val="14"/>
+        <c:spPr>
+          <a:solidFill>
+            <a:schemeClr val="accent1"/>
+          </a:solidFill>
+          <a:ln w="19050">
+            <a:solidFill>
+              <a:schemeClr val="lt1"/>
+            </a:solidFill>
+          </a:ln>
+          <a:effectLst/>
+        </c:spPr>
+      </c:pivotFmt>
+      <c:pivotFmt>
+        <c:idx val="15"/>
+        <c:spPr>
+          <a:solidFill>
+            <a:schemeClr val="accent1"/>
+          </a:solidFill>
+          <a:ln w="19050">
+            <a:solidFill>
+              <a:schemeClr val="lt1"/>
+            </a:solidFill>
+          </a:ln>
+          <a:effectLst/>
+        </c:spPr>
+      </c:pivotFmt>
+      <c:pivotFmt>
+        <c:idx val="16"/>
+        <c:spPr>
+          <a:solidFill>
+            <a:schemeClr val="accent1"/>
+          </a:solidFill>
+          <a:ln w="19050">
+            <a:solidFill>
+              <a:schemeClr val="lt1"/>
+            </a:solidFill>
+          </a:ln>
+          <a:effectLst/>
+        </c:spPr>
+        <c:marker>
+          <c:symbol val="none"/>
+        </c:marker>
+      </c:pivotFmt>
+      <c:pivotFmt>
+        <c:idx val="17"/>
+        <c:spPr>
+          <a:solidFill>
+            <a:schemeClr val="accent1"/>
+          </a:solidFill>
+          <a:ln w="19050">
+            <a:solidFill>
+              <a:schemeClr val="lt1"/>
+            </a:solidFill>
+          </a:ln>
+          <a:effectLst/>
+        </c:spPr>
+      </c:pivotFmt>
+      <c:pivotFmt>
+        <c:idx val="18"/>
+        <c:spPr>
+          <a:solidFill>
+            <a:schemeClr val="accent1"/>
+          </a:solidFill>
+          <a:ln w="19050">
+            <a:solidFill>
+              <a:schemeClr val="lt1"/>
+            </a:solidFill>
+          </a:ln>
+          <a:effectLst/>
+        </c:spPr>
+      </c:pivotFmt>
+      <c:pivotFmt>
+        <c:idx val="19"/>
+        <c:spPr>
+          <a:solidFill>
+            <a:schemeClr val="accent1"/>
+          </a:solidFill>
+          <a:ln w="19050">
+            <a:solidFill>
+              <a:schemeClr val="lt1"/>
+            </a:solidFill>
+          </a:ln>
+          <a:effectLst/>
+        </c:spPr>
+      </c:pivotFmt>
+      <c:pivotFmt>
+        <c:idx val="20"/>
+        <c:spPr>
+          <a:solidFill>
+            <a:schemeClr val="accent1"/>
+          </a:solidFill>
+          <a:ln w="19050">
+            <a:solidFill>
+              <a:schemeClr val="lt1"/>
+            </a:solidFill>
+          </a:ln>
+          <a:effectLst/>
+        </c:spPr>
+      </c:pivotFmt>
+      <c:pivotFmt>
+        <c:idx val="21"/>
+        <c:spPr>
+          <a:solidFill>
+            <a:schemeClr val="accent1"/>
+          </a:solidFill>
+          <a:ln w="19050">
+            <a:solidFill>
+              <a:schemeClr val="lt1"/>
+            </a:solidFill>
+          </a:ln>
+          <a:effectLst/>
+        </c:spPr>
+      </c:pivotFmt>
+      <c:pivotFmt>
+        <c:idx val="22"/>
+        <c:spPr>
+          <a:solidFill>
+            <a:schemeClr val="accent1"/>
+          </a:solidFill>
+          <a:ln w="19050">
+            <a:solidFill>
+              <a:schemeClr val="lt1"/>
+            </a:solidFill>
+          </a:ln>
+          <a:effectLst/>
+        </c:spPr>
+      </c:pivotFmt>
+      <c:pivotFmt>
+        <c:idx val="23"/>
+        <c:spPr>
+          <a:solidFill>
+            <a:schemeClr val="accent1"/>
+          </a:solidFill>
+          <a:ln w="19050">
+            <a:solidFill>
+              <a:schemeClr val="lt1"/>
+            </a:solidFill>
+          </a:ln>
+          <a:effectLst/>
+        </c:spPr>
+      </c:pivotFmt>
+      <c:pivotFmt>
+        <c:idx val="24"/>
+        <c:spPr>
+          <a:solidFill>
+            <a:schemeClr val="accent1"/>
+          </a:solidFill>
+          <a:ln w="19050">
+            <a:solidFill>
+              <a:schemeClr val="lt1"/>
+            </a:solidFill>
+          </a:ln>
+          <a:effectLst/>
+        </c:spPr>
+      </c:pivotFmt>
+      <c:pivotFmt>
+        <c:idx val="25"/>
+        <c:spPr>
+          <a:solidFill>
+            <a:schemeClr val="accent1"/>
+          </a:solidFill>
+          <a:ln w="19050">
+            <a:solidFill>
+              <a:schemeClr val="lt1"/>
+            </a:solidFill>
+          </a:ln>
+          <a:effectLst/>
+        </c:spPr>
+      </c:pivotFmt>
+      <c:pivotFmt>
+        <c:idx val="26"/>
+        <c:spPr>
+          <a:solidFill>
+            <a:schemeClr val="accent1"/>
+          </a:solidFill>
+          <a:ln w="19050">
+            <a:solidFill>
+              <a:schemeClr val="lt1"/>
+            </a:solidFill>
+          </a:ln>
+          <a:effectLst/>
+        </c:spPr>
+      </c:pivotFmt>
+      <c:pivotFmt>
+        <c:idx val="27"/>
+        <c:spPr>
+          <a:solidFill>
+            <a:schemeClr val="accent1"/>
+          </a:solidFill>
+          <a:ln w="19050">
+            <a:solidFill>
+              <a:schemeClr val="lt1"/>
+            </a:solidFill>
+          </a:ln>
+          <a:effectLst/>
+        </c:spPr>
+        <c:marker>
+          <c:symbol val="none"/>
+        </c:marker>
+      </c:pivotFmt>
+      <c:pivotFmt>
+        <c:idx val="28"/>
+        <c:spPr>
+          <a:solidFill>
+            <a:schemeClr val="accent1"/>
+          </a:solidFill>
+          <a:ln w="19050">
+            <a:solidFill>
+              <a:schemeClr val="lt1"/>
+            </a:solidFill>
+          </a:ln>
+          <a:effectLst/>
+        </c:spPr>
+      </c:pivotFmt>
+      <c:pivotFmt>
+        <c:idx val="29"/>
+        <c:spPr>
+          <a:solidFill>
+            <a:schemeClr val="accent1"/>
+          </a:solidFill>
+          <a:ln w="19050">
+            <a:solidFill>
+              <a:schemeClr val="lt1"/>
+            </a:solidFill>
+          </a:ln>
+          <a:effectLst/>
+        </c:spPr>
+      </c:pivotFmt>
+      <c:pivotFmt>
+        <c:idx val="30"/>
+        <c:spPr>
+          <a:solidFill>
+            <a:schemeClr val="accent1"/>
+          </a:solidFill>
+          <a:ln w="19050">
+            <a:solidFill>
+              <a:schemeClr val="lt1"/>
+            </a:solidFill>
+          </a:ln>
+          <a:effectLst/>
+        </c:spPr>
+      </c:pivotFmt>
+      <c:pivotFmt>
+        <c:idx val="31"/>
+        <c:spPr>
+          <a:solidFill>
+            <a:schemeClr val="accent1"/>
+          </a:solidFill>
+          <a:ln w="19050">
+            <a:solidFill>
+              <a:schemeClr val="lt1"/>
+            </a:solidFill>
+          </a:ln>
+          <a:effectLst/>
+        </c:spPr>
+      </c:pivotFmt>
+      <c:pivotFmt>
+        <c:idx val="32"/>
+        <c:spPr>
+          <a:solidFill>
+            <a:schemeClr val="accent1"/>
+          </a:solidFill>
+          <a:ln w="19050">
+            <a:solidFill>
+              <a:schemeClr val="lt1"/>
+            </a:solidFill>
+          </a:ln>
+          <a:effectLst/>
+        </c:spPr>
+      </c:pivotFmt>
+      <c:pivotFmt>
+        <c:idx val="33"/>
+        <c:spPr>
+          <a:solidFill>
+            <a:schemeClr val="accent1"/>
+          </a:solidFill>
+          <a:ln w="19050">
+            <a:solidFill>
+              <a:schemeClr val="lt1"/>
+            </a:solidFill>
+          </a:ln>
+          <a:effectLst/>
+        </c:spPr>
+      </c:pivotFmt>
+      <c:pivotFmt>
+        <c:idx val="34"/>
+        <c:spPr>
+          <a:solidFill>
+            <a:schemeClr val="accent1"/>
+          </a:solidFill>
+          <a:ln w="19050">
+            <a:solidFill>
+              <a:schemeClr val="lt1"/>
+            </a:solidFill>
+          </a:ln>
+          <a:effectLst/>
+        </c:spPr>
+      </c:pivotFmt>
+      <c:pivotFmt>
+        <c:idx val="35"/>
+        <c:spPr>
+          <a:solidFill>
+            <a:schemeClr val="accent1"/>
+          </a:solidFill>
+          <a:ln w="19050">
+            <a:solidFill>
+              <a:schemeClr val="lt1"/>
+            </a:solidFill>
+          </a:ln>
+          <a:effectLst/>
+        </c:spPr>
+      </c:pivotFmt>
+      <c:pivotFmt>
+        <c:idx val="36"/>
+        <c:spPr>
+          <a:solidFill>
+            <a:schemeClr val="accent1"/>
+          </a:solidFill>
+          <a:ln w="19050">
+            <a:solidFill>
+              <a:schemeClr val="lt1"/>
+            </a:solidFill>
+          </a:ln>
+          <a:effectLst/>
+        </c:spPr>
+      </c:pivotFmt>
+      <c:pivotFmt>
+        <c:idx val="37"/>
+        <c:spPr>
+          <a:solidFill>
+            <a:schemeClr val="accent1"/>
+          </a:solidFill>
+          <a:ln w="19050">
+            <a:solidFill>
+              <a:schemeClr val="lt1"/>
+            </a:solidFill>
+          </a:ln>
+          <a:effectLst/>
+        </c:spPr>
+      </c:pivotFmt>
+      <c:pivotFmt>
+        <c:idx val="38"/>
+        <c:spPr>
+          <a:solidFill>
+            <a:schemeClr val="accent1"/>
+          </a:solidFill>
+          <a:ln w="19050">
+            <a:solidFill>
+              <a:schemeClr val="lt1"/>
+            </a:solidFill>
+          </a:ln>
+          <a:effectLst/>
+        </c:spPr>
+        <c:marker>
+          <c:symbol val="none"/>
+        </c:marker>
+      </c:pivotFmt>
+      <c:pivotFmt>
+        <c:idx val="39"/>
+        <c:spPr>
+          <a:solidFill>
+            <a:schemeClr val="accent1"/>
+          </a:solidFill>
+          <a:ln w="19050">
+            <a:solidFill>
+              <a:schemeClr val="lt1"/>
+            </a:solidFill>
+          </a:ln>
+          <a:effectLst/>
+        </c:spPr>
+      </c:pivotFmt>
+      <c:pivotFmt>
+        <c:idx val="40"/>
+        <c:spPr>
+          <a:solidFill>
+            <a:schemeClr val="accent1"/>
+          </a:solidFill>
+          <a:ln w="19050">
+            <a:solidFill>
+              <a:schemeClr val="lt1"/>
+            </a:solidFill>
+          </a:ln>
+          <a:effectLst/>
+        </c:spPr>
+      </c:pivotFmt>
+      <c:pivotFmt>
+        <c:idx val="41"/>
+        <c:spPr>
+          <a:solidFill>
+            <a:schemeClr val="accent1"/>
+          </a:solidFill>
+          <a:ln w="19050">
+            <a:solidFill>
+              <a:schemeClr val="lt1"/>
+            </a:solidFill>
+          </a:ln>
+          <a:effectLst/>
+        </c:spPr>
+      </c:pivotFmt>
+      <c:pivotFmt>
+        <c:idx val="42"/>
+        <c:spPr>
+          <a:solidFill>
+            <a:schemeClr val="accent1"/>
+          </a:solidFill>
+          <a:ln w="19050">
+            <a:solidFill>
+              <a:schemeClr val="lt1"/>
+            </a:solidFill>
+          </a:ln>
+          <a:effectLst/>
+        </c:spPr>
+      </c:pivotFmt>
+      <c:pivotFmt>
+        <c:idx val="43"/>
+        <c:spPr>
+          <a:solidFill>
+            <a:schemeClr val="accent1"/>
+          </a:solidFill>
+          <a:ln w="19050">
+            <a:solidFill>
+              <a:schemeClr val="lt1"/>
+            </a:solidFill>
+          </a:ln>
+          <a:effectLst/>
+        </c:spPr>
+      </c:pivotFmt>
+      <c:pivotFmt>
+        <c:idx val="44"/>
+        <c:spPr>
+          <a:solidFill>
+            <a:schemeClr val="accent1"/>
+          </a:solidFill>
+          <a:ln w="19050">
+            <a:solidFill>
+              <a:schemeClr val="lt1"/>
+            </a:solidFill>
+          </a:ln>
+          <a:effectLst/>
+        </c:spPr>
+      </c:pivotFmt>
+      <c:pivotFmt>
+        <c:idx val="45"/>
+        <c:spPr>
+          <a:solidFill>
+            <a:schemeClr val="accent1"/>
+          </a:solidFill>
+          <a:ln w="19050">
+            <a:solidFill>
+              <a:schemeClr val="lt1"/>
+            </a:solidFill>
+          </a:ln>
+          <a:effectLst/>
+        </c:spPr>
+      </c:pivotFmt>
+      <c:pivotFmt>
+        <c:idx val="46"/>
+        <c:spPr>
+          <a:solidFill>
+            <a:schemeClr val="accent1"/>
+          </a:solidFill>
+          <a:ln w="19050">
+            <a:solidFill>
+              <a:schemeClr val="lt1"/>
+            </a:solidFill>
+          </a:ln>
+          <a:effectLst/>
+        </c:spPr>
+      </c:pivotFmt>
+      <c:pivotFmt>
+        <c:idx val="47"/>
+        <c:spPr>
+          <a:solidFill>
+            <a:schemeClr val="accent1"/>
+          </a:solidFill>
+          <a:ln w="19050">
+            <a:solidFill>
+              <a:schemeClr val="lt1"/>
+            </a:solidFill>
+          </a:ln>
+          <a:effectLst/>
+        </c:spPr>
+      </c:pivotFmt>
+      <c:pivotFmt>
+        <c:idx val="48"/>
+        <c:spPr>
+          <a:solidFill>
+            <a:schemeClr val="accent1"/>
+          </a:solidFill>
+          <a:ln w="19050">
+            <a:solidFill>
+              <a:schemeClr val="lt1"/>
+            </a:solidFill>
+          </a:ln>
+          <a:effectLst/>
+        </c:spPr>
+      </c:pivotFmt>
+      <c:pivotFmt>
+        <c:idx val="49"/>
+        <c:spPr>
+          <a:solidFill>
+            <a:schemeClr val="accent1"/>
+          </a:solidFill>
+          <a:ln w="19050">
+            <a:solidFill>
+              <a:schemeClr val="lt1"/>
+            </a:solidFill>
+          </a:ln>
+          <a:effectLst/>
+        </c:spPr>
+        <c:marker>
+          <c:symbol val="none"/>
+        </c:marker>
+      </c:pivotFmt>
+      <c:pivotFmt>
+        <c:idx val="50"/>
+        <c:spPr>
+          <a:solidFill>
+            <a:schemeClr val="accent1"/>
+          </a:solidFill>
+          <a:ln w="19050">
+            <a:solidFill>
+              <a:schemeClr val="lt1"/>
+            </a:solidFill>
+          </a:ln>
+          <a:effectLst/>
+        </c:spPr>
+      </c:pivotFmt>
+      <c:pivotFmt>
+        <c:idx val="51"/>
+        <c:spPr>
+          <a:solidFill>
+            <a:schemeClr val="accent1"/>
+          </a:solidFill>
+          <a:ln w="19050">
+            <a:solidFill>
+              <a:schemeClr val="lt1"/>
+            </a:solidFill>
+          </a:ln>
+          <a:effectLst/>
+        </c:spPr>
+      </c:pivotFmt>
+      <c:pivotFmt>
+        <c:idx val="52"/>
+        <c:spPr>
+          <a:solidFill>
+            <a:schemeClr val="accent1"/>
+          </a:solidFill>
+          <a:ln w="19050">
+            <a:solidFill>
+              <a:schemeClr val="lt1"/>
+            </a:solidFill>
+          </a:ln>
+          <a:effectLst/>
+        </c:spPr>
+      </c:pivotFmt>
+      <c:pivotFmt>
+        <c:idx val="53"/>
+        <c:spPr>
+          <a:solidFill>
+            <a:schemeClr val="accent1"/>
+          </a:solidFill>
+          <a:ln w="19050">
+            <a:solidFill>
+              <a:schemeClr val="lt1"/>
+            </a:solidFill>
+          </a:ln>
+          <a:effectLst/>
+        </c:spPr>
+      </c:pivotFmt>
+      <c:pivotFmt>
+        <c:idx val="54"/>
+        <c:spPr>
+          <a:solidFill>
+            <a:schemeClr val="accent1"/>
+          </a:solidFill>
+          <a:ln w="19050">
+            <a:solidFill>
+              <a:schemeClr val="lt1"/>
+            </a:solidFill>
+          </a:ln>
+          <a:effectLst/>
+        </c:spPr>
+      </c:pivotFmt>
+      <c:pivotFmt>
+        <c:idx val="55"/>
+        <c:spPr>
+          <a:solidFill>
+            <a:schemeClr val="accent1"/>
+          </a:solidFill>
+          <a:ln w="19050">
+            <a:solidFill>
+              <a:schemeClr val="lt1"/>
+            </a:solidFill>
+          </a:ln>
+          <a:effectLst/>
+        </c:spPr>
+      </c:pivotFmt>
+      <c:pivotFmt>
+        <c:idx val="56"/>
+        <c:spPr>
+          <a:solidFill>
+            <a:schemeClr val="accent1"/>
+          </a:solidFill>
+          <a:ln w="19050">
+            <a:solidFill>
+              <a:schemeClr val="lt1"/>
+            </a:solidFill>
+          </a:ln>
+          <a:effectLst/>
+        </c:spPr>
+      </c:pivotFmt>
+      <c:pivotFmt>
+        <c:idx val="57"/>
+        <c:spPr>
+          <a:solidFill>
+            <a:schemeClr val="accent1"/>
+          </a:solidFill>
+          <a:ln w="19050">
+            <a:solidFill>
+              <a:schemeClr val="lt1"/>
+            </a:solidFill>
+          </a:ln>
+          <a:effectLst/>
+        </c:spPr>
+      </c:pivotFmt>
+      <c:pivotFmt>
+        <c:idx val="58"/>
+        <c:spPr>
+          <a:solidFill>
+            <a:schemeClr val="accent1"/>
+          </a:solidFill>
+          <a:ln w="19050">
+            <a:solidFill>
+              <a:schemeClr val="lt1"/>
+            </a:solidFill>
+          </a:ln>
+          <a:effectLst/>
+        </c:spPr>
+      </c:pivotFmt>
+      <c:pivotFmt>
+        <c:idx val="59"/>
+        <c:spPr>
+          <a:solidFill>
+            <a:schemeClr val="accent1"/>
+          </a:solidFill>
+          <a:ln w="19050">
+            <a:solidFill>
+              <a:schemeClr val="lt1"/>
+            </a:solidFill>
+          </a:ln>
+          <a:effectLst/>
+        </c:spPr>
+      </c:pivotFmt>
+      <c:pivotFmt>
+        <c:idx val="60"/>
+        <c:spPr>
+          <a:solidFill>
+            <a:schemeClr val="accent1"/>
+          </a:solidFill>
+          <a:ln w="19050">
+            <a:solidFill>
+              <a:schemeClr val="lt1"/>
+            </a:solidFill>
+          </a:ln>
+          <a:effectLst/>
+        </c:spPr>
+        <c:marker>
+          <c:symbol val="none"/>
+        </c:marker>
+      </c:pivotFmt>
+      <c:pivotFmt>
+        <c:idx val="61"/>
+        <c:spPr>
+          <a:solidFill>
+            <a:schemeClr val="accent1"/>
+          </a:solidFill>
+          <a:ln w="19050">
+            <a:solidFill>
+              <a:schemeClr val="lt1"/>
+            </a:solidFill>
+          </a:ln>
+          <a:effectLst/>
+        </c:spPr>
+      </c:pivotFmt>
+      <c:pivotFmt>
+        <c:idx val="62"/>
+        <c:spPr>
+          <a:solidFill>
+            <a:schemeClr val="accent1"/>
+          </a:solidFill>
+          <a:ln w="19050">
+            <a:solidFill>
+              <a:schemeClr val="lt1"/>
+            </a:solidFill>
+          </a:ln>
+          <a:effectLst/>
+        </c:spPr>
+      </c:pivotFmt>
+      <c:pivotFmt>
+        <c:idx val="63"/>
+        <c:spPr>
+          <a:solidFill>
+            <a:schemeClr val="accent1"/>
+          </a:solidFill>
+          <a:ln w="19050">
+            <a:solidFill>
+              <a:schemeClr val="lt1"/>
+            </a:solidFill>
+          </a:ln>
+          <a:effectLst/>
+        </c:spPr>
+      </c:pivotFmt>
+      <c:pivotFmt>
+        <c:idx val="64"/>
+        <c:spPr>
+          <a:solidFill>
+            <a:schemeClr val="accent1"/>
+          </a:solidFill>
+          <a:ln w="19050">
+            <a:solidFill>
+              <a:schemeClr val="lt1"/>
+            </a:solidFill>
+          </a:ln>
+          <a:effectLst/>
+        </c:spPr>
+      </c:pivotFmt>
+      <c:pivotFmt>
+        <c:idx val="65"/>
+        <c:spPr>
+          <a:solidFill>
+            <a:schemeClr val="accent1"/>
+          </a:solidFill>
+          <a:ln w="19050">
+            <a:solidFill>
+              <a:schemeClr val="lt1"/>
+            </a:solidFill>
+          </a:ln>
+          <a:effectLst/>
+        </c:spPr>
+      </c:pivotFmt>
+      <c:pivotFmt>
+        <c:idx val="66"/>
+        <c:spPr>
+          <a:solidFill>
+            <a:schemeClr val="accent1"/>
+          </a:solidFill>
+          <a:ln w="19050">
+            <a:solidFill>
+              <a:schemeClr val="lt1"/>
+            </a:solidFill>
+          </a:ln>
+          <a:effectLst/>
+        </c:spPr>
+      </c:pivotFmt>
+      <c:pivotFmt>
+        <c:idx val="67"/>
+        <c:spPr>
+          <a:solidFill>
+            <a:schemeClr val="accent1"/>
+          </a:solidFill>
+          <a:ln w="19050">
+            <a:solidFill>
+              <a:schemeClr val="lt1"/>
+            </a:solidFill>
+          </a:ln>
+          <a:effectLst/>
+        </c:spPr>
+      </c:pivotFmt>
+      <c:pivotFmt>
+        <c:idx val="68"/>
+        <c:spPr>
+          <a:solidFill>
+            <a:schemeClr val="accent1"/>
+          </a:solidFill>
+          <a:ln w="19050">
+            <a:solidFill>
+              <a:schemeClr val="lt1"/>
+            </a:solidFill>
+          </a:ln>
+          <a:effectLst/>
+        </c:spPr>
+      </c:pivotFmt>
+      <c:pivotFmt>
+        <c:idx val="69"/>
+        <c:spPr>
+          <a:solidFill>
+            <a:schemeClr val="accent1"/>
+          </a:solidFill>
+          <a:ln w="19050">
+            <a:solidFill>
+              <a:schemeClr val="lt1"/>
+            </a:solidFill>
+          </a:ln>
+          <a:effectLst/>
+        </c:spPr>
+      </c:pivotFmt>
+      <c:pivotFmt>
+        <c:idx val="70"/>
+        <c:spPr>
+          <a:solidFill>
+            <a:schemeClr val="accent1"/>
+          </a:solidFill>
+          <a:ln w="19050">
+            <a:solidFill>
+              <a:schemeClr val="lt1"/>
+            </a:solidFill>
+          </a:ln>
+          <a:effectLst/>
+        </c:spPr>
+      </c:pivotFmt>
+      <c:pivotFmt>
+        <c:idx val="71"/>
+        <c:spPr>
+          <a:solidFill>
+            <a:schemeClr val="accent1"/>
+          </a:solidFill>
+          <a:ln w="19050">
+            <a:solidFill>
+              <a:schemeClr val="lt1"/>
+            </a:solidFill>
+          </a:ln>
+          <a:effectLst/>
+        </c:spPr>
+        <c:marker>
+          <c:symbol val="none"/>
+        </c:marker>
+      </c:pivotFmt>
+      <c:pivotFmt>
+        <c:idx val="72"/>
+        <c:spPr>
+          <a:solidFill>
+            <a:schemeClr val="accent1"/>
+          </a:solidFill>
+          <a:ln w="19050">
+            <a:solidFill>
+              <a:schemeClr val="lt1"/>
+            </a:solidFill>
+          </a:ln>
+          <a:effectLst/>
+        </c:spPr>
+      </c:pivotFmt>
+      <c:pivotFmt>
+        <c:idx val="73"/>
+        <c:spPr>
+          <a:solidFill>
+            <a:schemeClr val="accent1"/>
+          </a:solidFill>
+          <a:ln w="19050">
+            <a:solidFill>
+              <a:schemeClr val="lt1"/>
+            </a:solidFill>
+          </a:ln>
+          <a:effectLst/>
+        </c:spPr>
+      </c:pivotFmt>
+      <c:pivotFmt>
+        <c:idx val="74"/>
+        <c:spPr>
+          <a:solidFill>
+            <a:schemeClr val="accent1"/>
+          </a:solidFill>
+          <a:ln w="19050">
+            <a:solidFill>
+              <a:schemeClr val="lt1"/>
+            </a:solidFill>
+          </a:ln>
+          <a:effectLst/>
+        </c:spPr>
+      </c:pivotFmt>
+      <c:pivotFmt>
+        <c:idx val="75"/>
+        <c:spPr>
+          <a:solidFill>
+            <a:schemeClr val="accent1"/>
+          </a:solidFill>
+          <a:ln w="19050">
+            <a:solidFill>
+              <a:schemeClr val="lt1"/>
+            </a:solidFill>
+          </a:ln>
+          <a:effectLst/>
+        </c:spPr>
+      </c:pivotFmt>
+      <c:pivotFmt>
+        <c:idx val="76"/>
+        <c:spPr>
+          <a:solidFill>
+            <a:schemeClr val="accent1"/>
+          </a:solidFill>
+          <a:ln w="19050">
+            <a:solidFill>
+              <a:schemeClr val="lt1"/>
+            </a:solidFill>
+          </a:ln>
+          <a:effectLst/>
+        </c:spPr>
+      </c:pivotFmt>
+      <c:pivotFmt>
+        <c:idx val="77"/>
+        <c:spPr>
+          <a:solidFill>
+            <a:schemeClr val="accent1"/>
+          </a:solidFill>
+          <a:ln w="19050">
+            <a:solidFill>
+              <a:schemeClr val="lt1"/>
+            </a:solidFill>
+          </a:ln>
+          <a:effectLst/>
+        </c:spPr>
+      </c:pivotFmt>
+      <c:pivotFmt>
+        <c:idx val="78"/>
+        <c:spPr>
+          <a:solidFill>
+            <a:schemeClr val="accent1"/>
+          </a:solidFill>
+          <a:ln w="19050">
+            <a:solidFill>
+              <a:schemeClr val="lt1"/>
+            </a:solidFill>
+          </a:ln>
+          <a:effectLst/>
+        </c:spPr>
+      </c:pivotFmt>
+      <c:pivotFmt>
+        <c:idx val="79"/>
+        <c:spPr>
+          <a:solidFill>
+            <a:schemeClr val="accent1"/>
+          </a:solidFill>
+          <a:ln w="19050">
+            <a:solidFill>
+              <a:schemeClr val="lt1"/>
+            </a:solidFill>
+          </a:ln>
+          <a:effectLst/>
+        </c:spPr>
+      </c:pivotFmt>
+      <c:pivotFmt>
+        <c:idx val="80"/>
+        <c:spPr>
+          <a:solidFill>
+            <a:schemeClr val="accent1"/>
+          </a:solidFill>
+          <a:ln w="19050">
+            <a:solidFill>
+              <a:schemeClr val="lt1"/>
+            </a:solidFill>
+          </a:ln>
+          <a:effectLst/>
+        </c:spPr>
+      </c:pivotFmt>
+      <c:pivotFmt>
+        <c:idx val="81"/>
+        <c:spPr>
+          <a:solidFill>
+            <a:schemeClr val="accent1"/>
+          </a:solidFill>
+          <a:ln w="19050">
+            <a:solidFill>
+              <a:schemeClr val="lt1"/>
+            </a:solidFill>
+          </a:ln>
+          <a:effectLst/>
+        </c:spPr>
+      </c:pivotFmt>
+      <c:pivotFmt>
+        <c:idx val="82"/>
+        <c:spPr>
+          <a:solidFill>
+            <a:schemeClr val="accent1"/>
+          </a:solidFill>
+          <a:ln w="19050">
+            <a:solidFill>
+              <a:schemeClr val="lt1"/>
+            </a:solidFill>
+          </a:ln>
+          <a:effectLst/>
+        </c:spPr>
+        <c:marker>
+          <c:symbol val="none"/>
+        </c:marker>
+      </c:pivotFmt>
+      <c:pivotFmt>
+        <c:idx val="83"/>
+        <c:spPr>
+          <a:solidFill>
+            <a:schemeClr val="accent1"/>
+          </a:solidFill>
+          <a:ln w="19050">
+            <a:solidFill>
+              <a:schemeClr val="lt1"/>
+            </a:solidFill>
+          </a:ln>
+          <a:effectLst/>
+        </c:spPr>
+      </c:pivotFmt>
+      <c:pivotFmt>
+        <c:idx val="84"/>
+        <c:spPr>
+          <a:solidFill>
+            <a:schemeClr val="accent1"/>
+          </a:solidFill>
+          <a:ln w="19050">
+            <a:solidFill>
+              <a:schemeClr val="lt1"/>
+            </a:solidFill>
+          </a:ln>
+          <a:effectLst/>
+        </c:spPr>
+      </c:pivotFmt>
+      <c:pivotFmt>
+        <c:idx val="85"/>
+        <c:spPr>
+          <a:solidFill>
+            <a:schemeClr val="accent1"/>
+          </a:solidFill>
+          <a:ln w="19050">
+            <a:solidFill>
+              <a:schemeClr val="lt1"/>
+            </a:solidFill>
+          </a:ln>
+          <a:effectLst/>
+        </c:spPr>
+      </c:pivotFmt>
+      <c:pivotFmt>
+        <c:idx val="86"/>
+        <c:spPr>
+          <a:solidFill>
+            <a:schemeClr val="accent1"/>
+          </a:solidFill>
+          <a:ln w="19050">
+            <a:solidFill>
+              <a:schemeClr val="lt1"/>
+            </a:solidFill>
+          </a:ln>
+          <a:effectLst/>
+        </c:spPr>
+      </c:pivotFmt>
+      <c:pivotFmt>
+        <c:idx val="87"/>
+        <c:spPr>
+          <a:solidFill>
+            <a:schemeClr val="accent1"/>
+          </a:solidFill>
+          <a:ln w="19050">
+            <a:solidFill>
+              <a:schemeClr val="lt1"/>
+            </a:solidFill>
+          </a:ln>
+          <a:effectLst/>
+        </c:spPr>
+      </c:pivotFmt>
+      <c:pivotFmt>
+        <c:idx val="88"/>
+        <c:spPr>
+          <a:solidFill>
+            <a:schemeClr val="accent1"/>
+          </a:solidFill>
+          <a:ln w="19050">
+            <a:solidFill>
+              <a:schemeClr val="lt1"/>
+            </a:solidFill>
+          </a:ln>
+          <a:effectLst/>
+        </c:spPr>
+      </c:pivotFmt>
+      <c:pivotFmt>
+        <c:idx val="89"/>
+        <c:spPr>
+          <a:solidFill>
+            <a:schemeClr val="accent1"/>
+          </a:solidFill>
+          <a:ln w="19050">
+            <a:solidFill>
+              <a:schemeClr val="lt1"/>
+            </a:solidFill>
+          </a:ln>
+          <a:effectLst/>
+        </c:spPr>
+      </c:pivotFmt>
+      <c:pivotFmt>
+        <c:idx val="90"/>
+        <c:spPr>
+          <a:solidFill>
+            <a:schemeClr val="accent1"/>
+          </a:solidFill>
+          <a:ln w="19050">
+            <a:solidFill>
+              <a:schemeClr val="lt1"/>
+            </a:solidFill>
+          </a:ln>
+          <a:effectLst/>
+        </c:spPr>
+      </c:pivotFmt>
+      <c:pivotFmt>
+        <c:idx val="91"/>
+        <c:spPr>
+          <a:solidFill>
+            <a:schemeClr val="accent1"/>
+          </a:solidFill>
+          <a:ln w="19050">
+            <a:solidFill>
+              <a:schemeClr val="lt1"/>
+            </a:solidFill>
+          </a:ln>
+          <a:effectLst/>
+        </c:spPr>
+      </c:pivotFmt>
+      <c:pivotFmt>
+        <c:idx val="92"/>
+        <c:spPr>
+          <a:solidFill>
+            <a:schemeClr val="accent1"/>
+          </a:solidFill>
+          <a:ln w="19050">
+            <a:solidFill>
+              <a:schemeClr val="lt1"/>
+            </a:solidFill>
+          </a:ln>
+          <a:effectLst/>
+        </c:spPr>
+      </c:pivotFmt>
+      <c:pivotFmt>
+        <c:idx val="93"/>
+        <c:spPr>
+          <a:solidFill>
+            <a:schemeClr val="accent1"/>
+          </a:solidFill>
+          <a:ln w="19050">
+            <a:solidFill>
+              <a:schemeClr val="lt1"/>
+            </a:solidFill>
+          </a:ln>
+          <a:effectLst/>
+        </c:spPr>
+        <c:marker>
+          <c:symbol val="none"/>
+        </c:marker>
+      </c:pivotFmt>
+      <c:pivotFmt>
+        <c:idx val="94"/>
+        <c:spPr>
+          <a:solidFill>
+            <a:schemeClr val="accent1"/>
+          </a:solidFill>
+          <a:ln w="19050">
+            <a:solidFill>
+              <a:schemeClr val="lt1"/>
+            </a:solidFill>
+          </a:ln>
+          <a:effectLst/>
+        </c:spPr>
+      </c:pivotFmt>
+      <c:pivotFmt>
+        <c:idx val="95"/>
+        <c:spPr>
+          <a:solidFill>
+            <a:schemeClr val="accent1"/>
+          </a:solidFill>
+          <a:ln w="19050">
+            <a:solidFill>
+              <a:schemeClr val="lt1"/>
+            </a:solidFill>
+          </a:ln>
+          <a:effectLst/>
+        </c:spPr>
+      </c:pivotFmt>
+      <c:pivotFmt>
+        <c:idx val="96"/>
+        <c:spPr>
+          <a:solidFill>
+            <a:schemeClr val="accent1"/>
+          </a:solidFill>
+          <a:ln w="19050">
+            <a:solidFill>
+              <a:schemeClr val="lt1"/>
+            </a:solidFill>
+          </a:ln>
+          <a:effectLst/>
+        </c:spPr>
+      </c:pivotFmt>
+      <c:pivotFmt>
+        <c:idx val="97"/>
+        <c:spPr>
+          <a:solidFill>
+            <a:schemeClr val="accent1"/>
+          </a:solidFill>
+          <a:ln w="19050">
+            <a:solidFill>
+              <a:schemeClr val="lt1"/>
+            </a:solidFill>
+          </a:ln>
+          <a:effectLst/>
+        </c:spPr>
+      </c:pivotFmt>
+      <c:pivotFmt>
+        <c:idx val="98"/>
+        <c:spPr>
+          <a:solidFill>
+            <a:schemeClr val="accent1"/>
+          </a:solidFill>
+          <a:ln w="19050">
+            <a:solidFill>
+              <a:schemeClr val="lt1"/>
+            </a:solidFill>
+          </a:ln>
+          <a:effectLst/>
+        </c:spPr>
+      </c:pivotFmt>
+      <c:pivotFmt>
+        <c:idx val="99"/>
+        <c:spPr>
+          <a:solidFill>
+            <a:schemeClr val="accent1"/>
+          </a:solidFill>
+          <a:ln w="19050">
+            <a:solidFill>
+              <a:schemeClr val="lt1"/>
+            </a:solidFill>
+          </a:ln>
+          <a:effectLst/>
+        </c:spPr>
+      </c:pivotFmt>
+      <c:pivotFmt>
+        <c:idx val="100"/>
+        <c:spPr>
+          <a:solidFill>
+            <a:schemeClr val="accent1"/>
+          </a:solidFill>
+          <a:ln w="19050">
+            <a:solidFill>
+              <a:schemeClr val="lt1"/>
+            </a:solidFill>
+          </a:ln>
+          <a:effectLst/>
+        </c:spPr>
+      </c:pivotFmt>
+      <c:pivotFmt>
+        <c:idx val="101"/>
+        <c:spPr>
+          <a:solidFill>
+            <a:schemeClr val="accent1"/>
+          </a:solidFill>
+          <a:ln w="19050">
+            <a:solidFill>
+              <a:schemeClr val="lt1"/>
+            </a:solidFill>
+          </a:ln>
+          <a:effectLst/>
+        </c:spPr>
+      </c:pivotFmt>
+      <c:pivotFmt>
+        <c:idx val="102"/>
+        <c:spPr>
+          <a:solidFill>
+            <a:schemeClr val="accent1"/>
+          </a:solidFill>
+          <a:ln w="19050">
+            <a:solidFill>
+              <a:schemeClr val="lt1"/>
+            </a:solidFill>
+          </a:ln>
+          <a:effectLst/>
+        </c:spPr>
+      </c:pivotFmt>
+      <c:pivotFmt>
+        <c:idx val="103"/>
+        <c:spPr>
+          <a:solidFill>
+            <a:schemeClr val="accent1"/>
+          </a:solidFill>
+          <a:ln w="19050">
+            <a:solidFill>
+              <a:schemeClr val="lt1"/>
+            </a:solidFill>
+          </a:ln>
+          <a:effectLst/>
+        </c:spPr>
+      </c:pivotFmt>
+      <c:pivotFmt>
+        <c:idx val="104"/>
+        <c:spPr>
+          <a:solidFill>
+            <a:schemeClr val="accent1"/>
+          </a:solidFill>
+          <a:ln w="19050">
+            <a:solidFill>
+              <a:schemeClr val="lt1"/>
+            </a:solidFill>
+          </a:ln>
+          <a:effectLst/>
+        </c:spPr>
+        <c:marker>
+          <c:symbol val="none"/>
+        </c:marker>
+      </c:pivotFmt>
+      <c:pivotFmt>
+        <c:idx val="105"/>
+        <c:spPr>
+          <a:solidFill>
+            <a:schemeClr val="accent1"/>
+          </a:solidFill>
+          <a:ln w="19050">
+            <a:solidFill>
+              <a:schemeClr val="lt1"/>
+            </a:solidFill>
+          </a:ln>
+          <a:effectLst/>
+        </c:spPr>
+      </c:pivotFmt>
+      <c:pivotFmt>
+        <c:idx val="106"/>
+        <c:spPr>
+          <a:solidFill>
+            <a:schemeClr val="accent1"/>
+          </a:solidFill>
+          <a:ln w="19050">
+            <a:solidFill>
+              <a:schemeClr val="lt1"/>
+            </a:solidFill>
+          </a:ln>
+          <a:effectLst/>
+        </c:spPr>
+      </c:pivotFmt>
+      <c:pivotFmt>
+        <c:idx val="107"/>
+        <c:spPr>
+          <a:solidFill>
+            <a:schemeClr val="accent1"/>
+          </a:solidFill>
+          <a:ln w="19050">
+            <a:solidFill>
+              <a:schemeClr val="lt1"/>
+            </a:solidFill>
+          </a:ln>
+          <a:effectLst/>
+        </c:spPr>
+      </c:pivotFmt>
+      <c:pivotFmt>
+        <c:idx val="108"/>
+        <c:spPr>
+          <a:solidFill>
+            <a:schemeClr val="accent1"/>
+          </a:solidFill>
+          <a:ln w="19050">
+            <a:solidFill>
+              <a:schemeClr val="lt1"/>
+            </a:solidFill>
+          </a:ln>
+          <a:effectLst/>
+        </c:spPr>
+      </c:pivotFmt>
+      <c:pivotFmt>
+        <c:idx val="109"/>
+        <c:spPr>
+          <a:solidFill>
+            <a:schemeClr val="accent1"/>
+          </a:solidFill>
+          <a:ln w="19050">
+            <a:solidFill>
+              <a:schemeClr val="lt1"/>
+            </a:solidFill>
+          </a:ln>
+          <a:effectLst/>
+        </c:spPr>
+      </c:pivotFmt>
+      <c:pivotFmt>
+        <c:idx val="110"/>
+        <c:spPr>
+          <a:solidFill>
+            <a:schemeClr val="accent1"/>
+          </a:solidFill>
+          <a:ln w="19050">
+            <a:solidFill>
+              <a:schemeClr val="lt1"/>
+            </a:solidFill>
+          </a:ln>
+          <a:effectLst/>
+        </c:spPr>
+      </c:pivotFmt>
+      <c:pivotFmt>
+        <c:idx val="111"/>
+        <c:spPr>
+          <a:solidFill>
+            <a:schemeClr val="accent1"/>
+          </a:solidFill>
+          <a:ln w="19050">
+            <a:solidFill>
+              <a:schemeClr val="lt1"/>
+            </a:solidFill>
+          </a:ln>
+          <a:effectLst/>
+        </c:spPr>
+      </c:pivotFmt>
+      <c:pivotFmt>
+        <c:idx val="112"/>
+        <c:spPr>
+          <a:solidFill>
+            <a:schemeClr val="accent1"/>
+          </a:solidFill>
+          <a:ln w="19050">
+            <a:solidFill>
+              <a:schemeClr val="lt1"/>
+            </a:solidFill>
+          </a:ln>
+          <a:effectLst/>
+        </c:spPr>
+      </c:pivotFmt>
+      <c:pivotFmt>
+        <c:idx val="113"/>
+        <c:spPr>
+          <a:solidFill>
+            <a:schemeClr val="accent1"/>
+          </a:solidFill>
+          <a:ln w="19050">
+            <a:solidFill>
+              <a:schemeClr val="lt1"/>
+            </a:solidFill>
+          </a:ln>
+          <a:effectLst/>
+        </c:spPr>
+      </c:pivotFmt>
+      <c:pivotFmt>
+        <c:idx val="114"/>
+        <c:spPr>
+          <a:solidFill>
+            <a:schemeClr val="accent1"/>
+          </a:solidFill>
+          <a:ln w="19050">
+            <a:solidFill>
+              <a:schemeClr val="lt1"/>
+            </a:solidFill>
+          </a:ln>
+          <a:effectLst/>
+        </c:spPr>
+      </c:pivotFmt>
+    </c:pivotFmts>
+    <c:plotArea>
+      <c:layout/>
+      <c:pieChart>
+        <c:varyColors val="1"/>
+        <c:ser>
+          <c:idx val="0"/>
+          <c:order val="0"/>
+          <c:tx>
+            <c:strRef>
+              <c:f>Sheet1!$B$3:$B$4</c:f>
+              <c:strCache>
+                <c:ptCount val="1"/>
+                <c:pt idx="0">
+                  <c:v>HIGH</c:v>
+                </c:pt>
+              </c:strCache>
+            </c:strRef>
+          </c:tx>
+          <c:dPt>
+            <c:idx val="0"/>
+            <c:bubble3D val="0"/>
+            <c:spPr>
+              <a:solidFill>
+                <a:schemeClr val="accent1"/>
+              </a:solidFill>
+              <a:ln w="19050">
+                <a:solidFill>
+                  <a:schemeClr val="lt1"/>
+                </a:solidFill>
+              </a:ln>
+              <a:effectLst/>
+            </c:spPr>
+          </c:dPt>
+          <c:dPt>
+            <c:idx val="1"/>
+            <c:bubble3D val="0"/>
+            <c:spPr>
+              <a:solidFill>
+                <a:schemeClr val="accent2"/>
+              </a:solidFill>
+              <a:ln w="19050">
+                <a:solidFill>
+                  <a:schemeClr val="lt1"/>
+                </a:solidFill>
+              </a:ln>
+              <a:effectLst/>
+            </c:spPr>
+          </c:dPt>
+          <c:dPt>
+            <c:idx val="2"/>
+            <c:bubble3D val="0"/>
+            <c:spPr>
+              <a:solidFill>
+                <a:schemeClr val="accent3"/>
+              </a:solidFill>
+              <a:ln w="19050">
+                <a:solidFill>
+                  <a:schemeClr val="lt1"/>
+                </a:solidFill>
+              </a:ln>
+              <a:effectLst/>
+            </c:spPr>
+          </c:dPt>
+          <c:dPt>
+            <c:idx val="3"/>
+            <c:bubble3D val="0"/>
+            <c:spPr>
+              <a:solidFill>
+                <a:schemeClr val="accent4"/>
+              </a:solidFill>
+              <a:ln w="19050">
+                <a:solidFill>
+                  <a:schemeClr val="lt1"/>
+                </a:solidFill>
+              </a:ln>
+              <a:effectLst/>
+            </c:spPr>
+          </c:dPt>
+          <c:dPt>
+            <c:idx val="4"/>
+            <c:bubble3D val="0"/>
+            <c:spPr>
+              <a:solidFill>
+                <a:schemeClr val="accent5"/>
+              </a:solidFill>
+              <a:ln w="19050">
+                <a:solidFill>
+                  <a:schemeClr val="lt1"/>
+                </a:solidFill>
+              </a:ln>
+              <a:effectLst/>
+            </c:spPr>
+          </c:dPt>
+          <c:dPt>
+            <c:idx val="5"/>
+            <c:bubble3D val="0"/>
+            <c:spPr>
+              <a:solidFill>
+                <a:schemeClr val="accent6"/>
+              </a:solidFill>
+              <a:ln w="19050">
+                <a:solidFill>
+                  <a:schemeClr val="lt1"/>
+                </a:solidFill>
+              </a:ln>
+              <a:effectLst/>
+            </c:spPr>
+          </c:dPt>
+          <c:dPt>
+            <c:idx val="6"/>
+            <c:bubble3D val="0"/>
+            <c:spPr>
+              <a:solidFill>
+                <a:schemeClr val="accent1">
+                  <a:lumMod val="60000"/>
+                </a:schemeClr>
+              </a:solidFill>
+              <a:ln w="19050">
+                <a:solidFill>
+                  <a:schemeClr val="lt1"/>
+                </a:solidFill>
+              </a:ln>
+              <a:effectLst/>
+            </c:spPr>
+          </c:dPt>
+          <c:dPt>
+            <c:idx val="7"/>
+            <c:bubble3D val="0"/>
+            <c:spPr>
+              <a:solidFill>
+                <a:schemeClr val="accent2">
+                  <a:lumMod val="60000"/>
+                </a:schemeClr>
+              </a:solidFill>
+              <a:ln w="19050">
+                <a:solidFill>
+                  <a:schemeClr val="lt1"/>
+                </a:solidFill>
+              </a:ln>
+              <a:effectLst/>
+            </c:spPr>
+          </c:dPt>
+          <c:dPt>
+            <c:idx val="8"/>
+            <c:bubble3D val="0"/>
+            <c:spPr>
+              <a:solidFill>
+                <a:schemeClr val="accent3">
+                  <a:lumMod val="60000"/>
+                </a:schemeClr>
+              </a:solidFill>
+              <a:ln w="19050">
+                <a:solidFill>
+                  <a:schemeClr val="lt1"/>
+                </a:solidFill>
+              </a:ln>
+              <a:effectLst/>
+            </c:spPr>
+          </c:dPt>
+          <c:dPt>
+            <c:idx val="9"/>
+            <c:bubble3D val="0"/>
+            <c:spPr>
+              <a:solidFill>
+                <a:schemeClr val="accent4">
+                  <a:lumMod val="60000"/>
+                </a:schemeClr>
+              </a:solidFill>
+              <a:ln w="19050">
+                <a:solidFill>
+                  <a:schemeClr val="lt1"/>
+                </a:solidFill>
+              </a:ln>
+              <a:effectLst/>
+            </c:spPr>
+          </c:dPt>
+          <c:cat>
+            <c:strRef>
+              <c:f>Sheet1!$A$5:$A$15</c:f>
+              <c:strCache>
+                <c:ptCount val="10"/>
+                <c:pt idx="0">
+                  <c:v>BPC</c:v>
+                </c:pt>
+                <c:pt idx="1">
+                  <c:v>CCDR</c:v>
+                </c:pt>
+                <c:pt idx="2">
+                  <c:v>EW</c:v>
+                </c:pt>
+                <c:pt idx="3">
+                  <c:v>MSC</c:v>
+                </c:pt>
+                <c:pt idx="4">
+                  <c:v>NEL</c:v>
+                </c:pt>
+                <c:pt idx="5">
+                  <c:v>PL</c:v>
+                </c:pt>
+                <c:pt idx="6">
+                  <c:v>PYZ</c:v>
+                </c:pt>
+                <c:pt idx="7">
+                  <c:v>SVG</c:v>
+                </c:pt>
+                <c:pt idx="8">
+                  <c:v>TNS</c:v>
+                </c:pt>
+                <c:pt idx="9">
+                  <c:v>WBL</c:v>
+                </c:pt>
+              </c:strCache>
+            </c:strRef>
+          </c:cat>
+          <c:val>
+            <c:numRef>
+              <c:f>Sheet1!$B$5:$B$15</c:f>
+              <c:numCache>
+                <c:formatCode>General</c:formatCode>
+                <c:ptCount val="10"/>
+                <c:pt idx="0">
+                  <c:v>8</c:v>
+                </c:pt>
+                <c:pt idx="1">
+                  <c:v>7</c:v>
+                </c:pt>
+                <c:pt idx="2">
+                  <c:v>15</c:v>
+                </c:pt>
+                <c:pt idx="3">
+                  <c:v>10</c:v>
+                </c:pt>
+                <c:pt idx="4">
+                  <c:v>9</c:v>
+                </c:pt>
+                <c:pt idx="5">
+                  <c:v>14</c:v>
+                </c:pt>
+                <c:pt idx="6">
+                  <c:v>14</c:v>
+                </c:pt>
+                <c:pt idx="7">
+                  <c:v>19</c:v>
+                </c:pt>
+                <c:pt idx="8">
+                  <c:v>10</c:v>
+                </c:pt>
+                <c:pt idx="9">
+                  <c:v>11</c:v>
+                </c:pt>
+              </c:numCache>
+            </c:numRef>
+          </c:val>
+        </c:ser>
+        <c:ser>
+          <c:idx val="1"/>
+          <c:order val="1"/>
+          <c:tx>
+            <c:strRef>
+              <c:f>Sheet1!$C$3:$C$4</c:f>
+              <c:strCache>
+                <c:ptCount val="1"/>
+                <c:pt idx="0">
+                  <c:v>LOW</c:v>
+                </c:pt>
+              </c:strCache>
+            </c:strRef>
+          </c:tx>
+          <c:dPt>
+            <c:idx val="0"/>
+            <c:bubble3D val="0"/>
+            <c:spPr>
+              <a:solidFill>
+                <a:schemeClr val="accent1"/>
+              </a:solidFill>
+              <a:ln w="19050">
+                <a:solidFill>
+                  <a:schemeClr val="lt1"/>
+                </a:solidFill>
+              </a:ln>
+              <a:effectLst/>
+            </c:spPr>
+          </c:dPt>
+          <c:dPt>
+            <c:idx val="1"/>
+            <c:bubble3D val="0"/>
+            <c:spPr>
+              <a:solidFill>
+                <a:schemeClr val="accent2"/>
+              </a:solidFill>
+              <a:ln w="19050">
+                <a:solidFill>
+                  <a:schemeClr val="lt1"/>
+                </a:solidFill>
+              </a:ln>
+              <a:effectLst/>
+            </c:spPr>
+          </c:dPt>
+          <c:dPt>
+            <c:idx val="2"/>
+            <c:bubble3D val="0"/>
+            <c:spPr>
+              <a:solidFill>
+                <a:schemeClr val="accent3"/>
+              </a:solidFill>
+              <a:ln w="19050">
+                <a:solidFill>
+                  <a:schemeClr val="lt1"/>
+                </a:solidFill>
+              </a:ln>
+              <a:effectLst/>
+            </c:spPr>
+          </c:dPt>
+          <c:dPt>
+            <c:idx val="3"/>
+            <c:bubble3D val="0"/>
+            <c:spPr>
+              <a:solidFill>
+                <a:schemeClr val="accent4"/>
+              </a:solidFill>
+              <a:ln w="19050">
+                <a:solidFill>
+                  <a:schemeClr val="lt1"/>
+                </a:solidFill>
+              </a:ln>
+              <a:effectLst/>
+            </c:spPr>
+          </c:dPt>
+          <c:dPt>
+            <c:idx val="4"/>
+            <c:bubble3D val="0"/>
+            <c:spPr>
+              <a:solidFill>
+                <a:schemeClr val="accent5"/>
+              </a:solidFill>
+              <a:ln w="19050">
+                <a:solidFill>
+                  <a:schemeClr val="lt1"/>
+                </a:solidFill>
+              </a:ln>
+              <a:effectLst/>
+            </c:spPr>
+          </c:dPt>
+          <c:dPt>
+            <c:idx val="5"/>
+            <c:bubble3D val="0"/>
+            <c:spPr>
+              <a:solidFill>
+                <a:schemeClr val="accent6"/>
+              </a:solidFill>
+              <a:ln w="19050">
+                <a:solidFill>
+                  <a:schemeClr val="lt1"/>
+                </a:solidFill>
+              </a:ln>
+              <a:effectLst/>
+            </c:spPr>
+          </c:dPt>
+          <c:dPt>
+            <c:idx val="6"/>
+            <c:bubble3D val="0"/>
+            <c:spPr>
+              <a:solidFill>
+                <a:schemeClr val="accent1">
+                  <a:lumMod val="60000"/>
+                </a:schemeClr>
+              </a:solidFill>
+              <a:ln w="19050">
+                <a:solidFill>
+                  <a:schemeClr val="lt1"/>
+                </a:solidFill>
+              </a:ln>
+              <a:effectLst/>
+            </c:spPr>
+          </c:dPt>
+          <c:dPt>
+            <c:idx val="7"/>
+            <c:bubble3D val="0"/>
+            <c:spPr>
+              <a:solidFill>
+                <a:schemeClr val="accent2">
+                  <a:lumMod val="60000"/>
+                </a:schemeClr>
+              </a:solidFill>
+              <a:ln w="19050">
+                <a:solidFill>
+                  <a:schemeClr val="lt1"/>
+                </a:solidFill>
+              </a:ln>
+              <a:effectLst/>
+            </c:spPr>
+          </c:dPt>
+          <c:dPt>
+            <c:idx val="8"/>
+            <c:bubble3D val="0"/>
+            <c:spPr>
+              <a:solidFill>
+                <a:schemeClr val="accent3">
+                  <a:lumMod val="60000"/>
+                </a:schemeClr>
+              </a:solidFill>
+              <a:ln w="19050">
+                <a:solidFill>
+                  <a:schemeClr val="lt1"/>
+                </a:solidFill>
+              </a:ln>
+              <a:effectLst/>
+            </c:spPr>
+          </c:dPt>
+          <c:dPt>
+            <c:idx val="9"/>
+            <c:bubble3D val="0"/>
+            <c:spPr>
+              <a:solidFill>
+                <a:schemeClr val="accent4">
+                  <a:lumMod val="60000"/>
+                </a:schemeClr>
+              </a:solidFill>
+              <a:ln w="19050">
+                <a:solidFill>
+                  <a:schemeClr val="lt1"/>
+                </a:solidFill>
+              </a:ln>
+              <a:effectLst/>
+            </c:spPr>
+          </c:dPt>
+          <c:cat>
+            <c:strRef>
+              <c:f>Sheet1!$A$5:$A$15</c:f>
+              <c:strCache>
+                <c:ptCount val="10"/>
+                <c:pt idx="0">
+                  <c:v>BPC</c:v>
+                </c:pt>
+                <c:pt idx="1">
+                  <c:v>CCDR</c:v>
+                </c:pt>
+                <c:pt idx="2">
+                  <c:v>EW</c:v>
+                </c:pt>
+                <c:pt idx="3">
+                  <c:v>MSC</c:v>
+                </c:pt>
+                <c:pt idx="4">
+                  <c:v>NEL</c:v>
+                </c:pt>
+                <c:pt idx="5">
+                  <c:v>PL</c:v>
+                </c:pt>
+                <c:pt idx="6">
+                  <c:v>PYZ</c:v>
+                </c:pt>
+                <c:pt idx="7">
+                  <c:v>SVG</c:v>
+                </c:pt>
+                <c:pt idx="8">
+                  <c:v>TNS</c:v>
+                </c:pt>
+                <c:pt idx="9">
+                  <c:v>WBL</c:v>
+                </c:pt>
+              </c:strCache>
+            </c:strRef>
+          </c:cat>
+          <c:val>
+            <c:numRef>
+              <c:f>Sheet1!$C$5:$C$15</c:f>
+              <c:numCache>
+                <c:formatCode>General</c:formatCode>
+                <c:ptCount val="10"/>
+                <c:pt idx="0">
+                  <c:v>11</c:v>
+                </c:pt>
+                <c:pt idx="1">
+                  <c:v>14</c:v>
+                </c:pt>
+                <c:pt idx="2">
+                  <c:v>17</c:v>
+                </c:pt>
+                <c:pt idx="3">
+                  <c:v>8</c:v>
+                </c:pt>
+                <c:pt idx="4">
+                  <c:v>11</c:v>
+                </c:pt>
+                <c:pt idx="5">
+                  <c:v>10</c:v>
+                </c:pt>
+                <c:pt idx="6">
+                  <c:v>13</c:v>
+                </c:pt>
+                <c:pt idx="7">
+                  <c:v>15</c:v>
+                </c:pt>
+                <c:pt idx="8">
+                  <c:v>14</c:v>
+                </c:pt>
+                <c:pt idx="9">
+                  <c:v>12</c:v>
+                </c:pt>
+              </c:numCache>
+            </c:numRef>
+          </c:val>
+        </c:ser>
+        <c:ser>
+          <c:idx val="2"/>
+          <c:order val="2"/>
+          <c:tx>
+            <c:strRef>
+              <c:f>Sheet1!$D$3:$D$4</c:f>
+              <c:strCache>
+                <c:ptCount val="1"/>
+                <c:pt idx="0">
+                  <c:v>MED</c:v>
+                </c:pt>
+              </c:strCache>
+            </c:strRef>
+          </c:tx>
+          <c:dPt>
+            <c:idx val="0"/>
+            <c:bubble3D val="0"/>
+            <c:spPr>
+              <a:solidFill>
+                <a:schemeClr val="accent1"/>
+              </a:solidFill>
+              <a:ln w="19050">
+                <a:solidFill>
+                  <a:schemeClr val="lt1"/>
+                </a:solidFill>
+              </a:ln>
+              <a:effectLst/>
+            </c:spPr>
+          </c:dPt>
+          <c:dPt>
+            <c:idx val="1"/>
+            <c:bubble3D val="0"/>
+            <c:spPr>
+              <a:solidFill>
+                <a:schemeClr val="accent2"/>
+              </a:solidFill>
+              <a:ln w="19050">
+                <a:solidFill>
+                  <a:schemeClr val="lt1"/>
+                </a:solidFill>
+              </a:ln>
+              <a:effectLst/>
+            </c:spPr>
+          </c:dPt>
+          <c:dPt>
+            <c:idx val="2"/>
+            <c:bubble3D val="0"/>
+            <c:spPr>
+              <a:solidFill>
+                <a:schemeClr val="accent3"/>
+              </a:solidFill>
+              <a:ln w="19050">
+                <a:solidFill>
+                  <a:schemeClr val="lt1"/>
+                </a:solidFill>
+              </a:ln>
+              <a:effectLst/>
+            </c:spPr>
+          </c:dPt>
+          <c:dPt>
+            <c:idx val="3"/>
+            <c:bubble3D val="0"/>
+            <c:spPr>
+              <a:solidFill>
+                <a:schemeClr val="accent4"/>
+              </a:solidFill>
+              <a:ln w="19050">
+                <a:solidFill>
+                  <a:schemeClr val="lt1"/>
+                </a:solidFill>
+              </a:ln>
+              <a:effectLst/>
+            </c:spPr>
+          </c:dPt>
+          <c:dPt>
+            <c:idx val="4"/>
+            <c:bubble3D val="0"/>
+            <c:spPr>
+              <a:solidFill>
+                <a:schemeClr val="accent5"/>
+              </a:solidFill>
+              <a:ln w="19050">
+                <a:solidFill>
+                  <a:schemeClr val="lt1"/>
+                </a:solidFill>
+              </a:ln>
+              <a:effectLst/>
+            </c:spPr>
+          </c:dPt>
+          <c:dPt>
+            <c:idx val="5"/>
+            <c:bubble3D val="0"/>
+            <c:spPr>
+              <a:solidFill>
+                <a:schemeClr val="accent6"/>
+              </a:solidFill>
+              <a:ln w="19050">
+                <a:solidFill>
+                  <a:schemeClr val="lt1"/>
+                </a:solidFill>
+              </a:ln>
+              <a:effectLst/>
+            </c:spPr>
+          </c:dPt>
+          <c:dPt>
+            <c:idx val="6"/>
+            <c:bubble3D val="0"/>
+            <c:spPr>
+              <a:solidFill>
+                <a:schemeClr val="accent1">
+                  <a:lumMod val="60000"/>
+                </a:schemeClr>
+              </a:solidFill>
+              <a:ln w="19050">
+                <a:solidFill>
+                  <a:schemeClr val="lt1"/>
+                </a:solidFill>
+              </a:ln>
+              <a:effectLst/>
+            </c:spPr>
+          </c:dPt>
+          <c:dPt>
+            <c:idx val="7"/>
+            <c:bubble3D val="0"/>
+            <c:spPr>
+              <a:solidFill>
+                <a:schemeClr val="accent2">
+                  <a:lumMod val="60000"/>
+                </a:schemeClr>
+              </a:solidFill>
+              <a:ln w="19050">
+                <a:solidFill>
+                  <a:schemeClr val="lt1"/>
+                </a:solidFill>
+              </a:ln>
+              <a:effectLst/>
+            </c:spPr>
+          </c:dPt>
+          <c:dPt>
+            <c:idx val="8"/>
+            <c:bubble3D val="0"/>
+            <c:spPr>
+              <a:solidFill>
+                <a:schemeClr val="accent3">
+                  <a:lumMod val="60000"/>
+                </a:schemeClr>
+              </a:solidFill>
+              <a:ln w="19050">
+                <a:solidFill>
+                  <a:schemeClr val="lt1"/>
+                </a:solidFill>
+              </a:ln>
+              <a:effectLst/>
+            </c:spPr>
+          </c:dPt>
+          <c:dPt>
+            <c:idx val="9"/>
+            <c:bubble3D val="0"/>
+            <c:spPr>
+              <a:solidFill>
+                <a:schemeClr val="accent4">
+                  <a:lumMod val="60000"/>
+                </a:schemeClr>
+              </a:solidFill>
+              <a:ln w="19050">
+                <a:solidFill>
+                  <a:schemeClr val="lt1"/>
+                </a:solidFill>
+              </a:ln>
+              <a:effectLst/>
+            </c:spPr>
+          </c:dPt>
+          <c:cat>
+            <c:strRef>
+              <c:f>Sheet1!$A$5:$A$15</c:f>
+              <c:strCache>
+                <c:ptCount val="10"/>
+                <c:pt idx="0">
+                  <c:v>BPC</c:v>
+                </c:pt>
+                <c:pt idx="1">
+                  <c:v>CCDR</c:v>
+                </c:pt>
+                <c:pt idx="2">
+                  <c:v>EW</c:v>
+                </c:pt>
+                <c:pt idx="3">
+                  <c:v>MSC</c:v>
+                </c:pt>
+                <c:pt idx="4">
+                  <c:v>NEL</c:v>
+                </c:pt>
+                <c:pt idx="5">
+                  <c:v>PL</c:v>
+                </c:pt>
+                <c:pt idx="6">
+                  <c:v>PYZ</c:v>
+                </c:pt>
+                <c:pt idx="7">
+                  <c:v>SVG</c:v>
+                </c:pt>
+                <c:pt idx="8">
+                  <c:v>TNS</c:v>
+                </c:pt>
+                <c:pt idx="9">
+                  <c:v>WBL</c:v>
+                </c:pt>
+              </c:strCache>
+            </c:strRef>
+          </c:cat>
+          <c:val>
+            <c:numRef>
+              <c:f>Sheet1!$D$5:$D$15</c:f>
+              <c:numCache>
+                <c:formatCode>General</c:formatCode>
+                <c:ptCount val="10"/>
+                <c:pt idx="0">
+                  <c:v>53</c:v>
+                </c:pt>
+                <c:pt idx="1">
+                  <c:v>45</c:v>
+                </c:pt>
+                <c:pt idx="2">
+                  <c:v>52</c:v>
+                </c:pt>
+                <c:pt idx="3">
+                  <c:v>52</c:v>
+                </c:pt>
+                <c:pt idx="4">
+                  <c:v>45</c:v>
+                </c:pt>
+                <c:pt idx="5">
+                  <c:v>43</c:v>
+                </c:pt>
+                <c:pt idx="6">
+                  <c:v>48</c:v>
+                </c:pt>
+                <c:pt idx="7">
+                  <c:v>49</c:v>
+                </c:pt>
+                <c:pt idx="8">
+                  <c:v>38</c:v>
+                </c:pt>
+                <c:pt idx="9">
+                  <c:v>52</c:v>
+                </c:pt>
+              </c:numCache>
+            </c:numRef>
+          </c:val>
+        </c:ser>
+        <c:ser>
+          <c:idx val="3"/>
+          <c:order val="3"/>
+          <c:tx>
+            <c:strRef>
+              <c:f>Sheet1!$E$3:$E$4</c:f>
+              <c:strCache>
+                <c:ptCount val="1"/>
+                <c:pt idx="0">
+                  <c:v>VERY HIGH</c:v>
+                </c:pt>
+              </c:strCache>
+            </c:strRef>
+          </c:tx>
+          <c:dPt>
+            <c:idx val="0"/>
+            <c:bubble3D val="0"/>
+            <c:spPr>
+              <a:solidFill>
+                <a:schemeClr val="accent1"/>
+              </a:solidFill>
+              <a:ln w="19050">
+                <a:solidFill>
+                  <a:schemeClr val="lt1"/>
+                </a:solidFill>
+              </a:ln>
+              <a:effectLst/>
+            </c:spPr>
+          </c:dPt>
+          <c:dPt>
+            <c:idx val="1"/>
+            <c:bubble3D val="0"/>
+            <c:spPr>
+              <a:solidFill>
+                <a:schemeClr val="accent2"/>
+              </a:solidFill>
+              <a:ln w="19050">
+                <a:solidFill>
+                  <a:schemeClr val="lt1"/>
+                </a:solidFill>
+              </a:ln>
+              <a:effectLst/>
+            </c:spPr>
+          </c:dPt>
+          <c:dPt>
+            <c:idx val="2"/>
+            <c:bubble3D val="0"/>
+            <c:spPr>
+              <a:solidFill>
+                <a:schemeClr val="accent3"/>
+              </a:solidFill>
+              <a:ln w="19050">
+                <a:solidFill>
+                  <a:schemeClr val="lt1"/>
+                </a:solidFill>
+              </a:ln>
+              <a:effectLst/>
+            </c:spPr>
+          </c:dPt>
+          <c:dPt>
+            <c:idx val="3"/>
+            <c:bubble3D val="0"/>
+            <c:spPr>
+              <a:solidFill>
+                <a:schemeClr val="accent4"/>
+              </a:solidFill>
+              <a:ln w="19050">
+                <a:solidFill>
+                  <a:schemeClr val="lt1"/>
+                </a:solidFill>
+              </a:ln>
+              <a:effectLst/>
+            </c:spPr>
+          </c:dPt>
+          <c:dPt>
+            <c:idx val="4"/>
+            <c:bubble3D val="0"/>
+            <c:spPr>
+              <a:solidFill>
+                <a:schemeClr val="accent5"/>
+              </a:solidFill>
+              <a:ln w="19050">
+                <a:solidFill>
+                  <a:schemeClr val="lt1"/>
+                </a:solidFill>
+              </a:ln>
+              <a:effectLst/>
+            </c:spPr>
+          </c:dPt>
+          <c:dPt>
+            <c:idx val="5"/>
+            <c:bubble3D val="0"/>
+            <c:spPr>
+              <a:solidFill>
+                <a:schemeClr val="accent6"/>
+              </a:solidFill>
+              <a:ln w="19050">
+                <a:solidFill>
+                  <a:schemeClr val="lt1"/>
+                </a:solidFill>
+              </a:ln>
+              <a:effectLst/>
+            </c:spPr>
+          </c:dPt>
+          <c:dPt>
+            <c:idx val="6"/>
+            <c:bubble3D val="0"/>
+            <c:spPr>
+              <a:solidFill>
+                <a:schemeClr val="accent1">
+                  <a:lumMod val="60000"/>
+                </a:schemeClr>
+              </a:solidFill>
+              <a:ln w="19050">
+                <a:solidFill>
+                  <a:schemeClr val="lt1"/>
+                </a:solidFill>
+              </a:ln>
+              <a:effectLst/>
+            </c:spPr>
+          </c:dPt>
+          <c:dPt>
+            <c:idx val="7"/>
+            <c:bubble3D val="0"/>
+            <c:spPr>
+              <a:solidFill>
+                <a:schemeClr val="accent2">
+                  <a:lumMod val="60000"/>
+                </a:schemeClr>
+              </a:solidFill>
+              <a:ln w="19050">
+                <a:solidFill>
+                  <a:schemeClr val="lt1"/>
+                </a:solidFill>
+              </a:ln>
+              <a:effectLst/>
+            </c:spPr>
+          </c:dPt>
+          <c:dPt>
+            <c:idx val="8"/>
+            <c:bubble3D val="0"/>
+            <c:spPr>
+              <a:solidFill>
+                <a:schemeClr val="accent3">
+                  <a:lumMod val="60000"/>
+                </a:schemeClr>
+              </a:solidFill>
+              <a:ln w="19050">
+                <a:solidFill>
+                  <a:schemeClr val="lt1"/>
+                </a:solidFill>
+              </a:ln>
+              <a:effectLst/>
+            </c:spPr>
+          </c:dPt>
+          <c:dPt>
+            <c:idx val="9"/>
+            <c:bubble3D val="0"/>
+            <c:spPr>
+              <a:solidFill>
+                <a:schemeClr val="accent4">
+                  <a:lumMod val="60000"/>
+                </a:schemeClr>
+              </a:solidFill>
+              <a:ln w="19050">
+                <a:solidFill>
+                  <a:schemeClr val="lt1"/>
+                </a:solidFill>
+              </a:ln>
+              <a:effectLst/>
+            </c:spPr>
+          </c:dPt>
+          <c:cat>
+            <c:strRef>
+              <c:f>Sheet1!$A$5:$A$15</c:f>
+              <c:strCache>
+                <c:ptCount val="10"/>
+                <c:pt idx="0">
+                  <c:v>BPC</c:v>
+                </c:pt>
+                <c:pt idx="1">
+                  <c:v>CCDR</c:v>
+                </c:pt>
+                <c:pt idx="2">
+                  <c:v>EW</c:v>
+                </c:pt>
+                <c:pt idx="3">
+                  <c:v>MSC</c:v>
+                </c:pt>
+                <c:pt idx="4">
+                  <c:v>NEL</c:v>
+                </c:pt>
+                <c:pt idx="5">
+                  <c:v>PL</c:v>
+                </c:pt>
+                <c:pt idx="6">
+                  <c:v>PYZ</c:v>
+                </c:pt>
+                <c:pt idx="7">
+                  <c:v>SVG</c:v>
+                </c:pt>
+                <c:pt idx="8">
+                  <c:v>TNS</c:v>
+                </c:pt>
+                <c:pt idx="9">
+                  <c:v>WBL</c:v>
+                </c:pt>
+              </c:strCache>
+            </c:strRef>
+          </c:cat>
+          <c:val>
+            <c:numRef>
+              <c:f>Sheet1!$E$5:$E$15</c:f>
+              <c:numCache>
+                <c:formatCode>General</c:formatCode>
+                <c:ptCount val="10"/>
+                <c:pt idx="0">
+                  <c:v>10</c:v>
+                </c:pt>
+                <c:pt idx="1">
+                  <c:v>9</c:v>
+                </c:pt>
+                <c:pt idx="2">
+                  <c:v>8</c:v>
+                </c:pt>
+                <c:pt idx="3">
+                  <c:v>4</c:v>
+                </c:pt>
+                <c:pt idx="4">
+                  <c:v>7</c:v>
+                </c:pt>
+                <c:pt idx="5">
+                  <c:v>7</c:v>
+                </c:pt>
+                <c:pt idx="6">
+                  <c:v>5</c:v>
+                </c:pt>
+                <c:pt idx="7">
+                  <c:v>11</c:v>
+                </c:pt>
+                <c:pt idx="8">
+                  <c:v>9</c:v>
+                </c:pt>
+                <c:pt idx="9">
+                  <c:v>7</c:v>
+                </c:pt>
+              </c:numCache>
+            </c:numRef>
+          </c:val>
+        </c:ser>
+        <c:ser>
+          <c:idx val="4"/>
+          <c:order val="4"/>
+          <c:tx>
+            <c:strRef>
+              <c:f>Sheet1!$F$3:$F$4</c:f>
+              <c:strCache>
+                <c:ptCount val="1"/>
+                <c:pt idx="0">
+                  <c:v>VERY LOW</c:v>
+                </c:pt>
+              </c:strCache>
+            </c:strRef>
+          </c:tx>
+          <c:dPt>
+            <c:idx val="0"/>
+            <c:bubble3D val="0"/>
+            <c:spPr>
+              <a:solidFill>
+                <a:schemeClr val="accent1"/>
+              </a:solidFill>
+              <a:ln w="19050">
+                <a:solidFill>
+                  <a:schemeClr val="lt1"/>
+                </a:solidFill>
+              </a:ln>
+              <a:effectLst/>
+            </c:spPr>
+          </c:dPt>
+          <c:dPt>
+            <c:idx val="1"/>
+            <c:bubble3D val="0"/>
+            <c:spPr>
+              <a:solidFill>
+                <a:schemeClr val="accent2"/>
+              </a:solidFill>
+              <a:ln w="19050">
+                <a:solidFill>
+                  <a:schemeClr val="lt1"/>
+                </a:solidFill>
+              </a:ln>
+              <a:effectLst/>
+            </c:spPr>
+          </c:dPt>
+          <c:dPt>
+            <c:idx val="2"/>
+            <c:bubble3D val="0"/>
+            <c:spPr>
+              <a:solidFill>
+                <a:schemeClr val="accent3"/>
+              </a:solidFill>
+              <a:ln w="19050">
+                <a:solidFill>
+                  <a:schemeClr val="lt1"/>
+                </a:solidFill>
+              </a:ln>
+              <a:effectLst/>
+            </c:spPr>
+          </c:dPt>
+          <c:dPt>
+            <c:idx val="3"/>
+            <c:bubble3D val="0"/>
+            <c:spPr>
+              <a:solidFill>
+                <a:schemeClr val="accent4"/>
+              </a:solidFill>
+              <a:ln w="19050">
+                <a:solidFill>
+                  <a:schemeClr val="lt1"/>
+                </a:solidFill>
+              </a:ln>
+              <a:effectLst/>
+            </c:spPr>
+          </c:dPt>
+          <c:dPt>
+            <c:idx val="4"/>
+            <c:bubble3D val="0"/>
+            <c:spPr>
+              <a:solidFill>
+                <a:schemeClr val="accent5"/>
+              </a:solidFill>
+              <a:ln w="19050">
+                <a:solidFill>
+                  <a:schemeClr val="lt1"/>
+                </a:solidFill>
+              </a:ln>
+              <a:effectLst/>
+            </c:spPr>
+          </c:dPt>
+          <c:dPt>
+            <c:idx val="5"/>
+            <c:bubble3D val="0"/>
+            <c:spPr>
+              <a:solidFill>
+                <a:schemeClr val="accent6"/>
+              </a:solidFill>
+              <a:ln w="19050">
+                <a:solidFill>
+                  <a:schemeClr val="lt1"/>
+                </a:solidFill>
+              </a:ln>
+              <a:effectLst/>
+            </c:spPr>
+          </c:dPt>
+          <c:dPt>
+            <c:idx val="6"/>
+            <c:bubble3D val="0"/>
+            <c:spPr>
+              <a:solidFill>
+                <a:schemeClr val="accent1">
+                  <a:lumMod val="60000"/>
+                </a:schemeClr>
+              </a:solidFill>
+              <a:ln w="19050">
+                <a:solidFill>
+                  <a:schemeClr val="lt1"/>
+                </a:solidFill>
+              </a:ln>
+              <a:effectLst/>
+            </c:spPr>
+          </c:dPt>
+          <c:dPt>
+            <c:idx val="7"/>
+            <c:bubble3D val="0"/>
+            <c:spPr>
+              <a:solidFill>
+                <a:schemeClr val="accent2">
+                  <a:lumMod val="60000"/>
+                </a:schemeClr>
+              </a:solidFill>
+              <a:ln w="19050">
+                <a:solidFill>
+                  <a:schemeClr val="lt1"/>
+                </a:solidFill>
+              </a:ln>
+              <a:effectLst/>
+            </c:spPr>
+          </c:dPt>
+          <c:dPt>
+            <c:idx val="8"/>
+            <c:bubble3D val="0"/>
+            <c:spPr>
+              <a:solidFill>
+                <a:schemeClr val="accent3">
+                  <a:lumMod val="60000"/>
+                </a:schemeClr>
+              </a:solidFill>
+              <a:ln w="19050">
+                <a:solidFill>
+                  <a:schemeClr val="lt1"/>
+                </a:solidFill>
+              </a:ln>
+              <a:effectLst/>
+            </c:spPr>
+          </c:dPt>
+          <c:dPt>
+            <c:idx val="9"/>
+            <c:bubble3D val="0"/>
+            <c:spPr>
+              <a:solidFill>
+                <a:schemeClr val="accent4">
+                  <a:lumMod val="60000"/>
+                </a:schemeClr>
+              </a:solidFill>
+              <a:ln w="19050">
+                <a:solidFill>
+                  <a:schemeClr val="lt1"/>
+                </a:solidFill>
+              </a:ln>
+              <a:effectLst/>
+            </c:spPr>
+          </c:dPt>
+          <c:cat>
+            <c:strRef>
+              <c:f>Sheet1!$A$5:$A$15</c:f>
+              <c:strCache>
+                <c:ptCount val="10"/>
+                <c:pt idx="0">
+                  <c:v>BPC</c:v>
+                </c:pt>
+                <c:pt idx="1">
+                  <c:v>CCDR</c:v>
+                </c:pt>
+                <c:pt idx="2">
+                  <c:v>EW</c:v>
+                </c:pt>
+                <c:pt idx="3">
+                  <c:v>MSC</c:v>
+                </c:pt>
+                <c:pt idx="4">
+                  <c:v>NEL</c:v>
+                </c:pt>
+                <c:pt idx="5">
+                  <c:v>PL</c:v>
+                </c:pt>
+                <c:pt idx="6">
+                  <c:v>PYZ</c:v>
+                </c:pt>
+                <c:pt idx="7">
+                  <c:v>SVG</c:v>
+                </c:pt>
+                <c:pt idx="8">
+                  <c:v>TNS</c:v>
+                </c:pt>
+                <c:pt idx="9">
+                  <c:v>WBL</c:v>
+                </c:pt>
+              </c:strCache>
+            </c:strRef>
+          </c:cat>
+          <c:val>
+            <c:numRef>
+              <c:f>Sheet1!$F$5:$F$15</c:f>
+              <c:numCache>
+                <c:formatCode>General</c:formatCode>
+                <c:ptCount val="10"/>
+                <c:pt idx="0">
+                  <c:v>6</c:v>
+                </c:pt>
+                <c:pt idx="1">
+                  <c:v>6</c:v>
+                </c:pt>
+                <c:pt idx="2">
+                  <c:v>4</c:v>
+                </c:pt>
+                <c:pt idx="3">
+                  <c:v>8</c:v>
+                </c:pt>
+                <c:pt idx="4">
+                  <c:v>7</c:v>
+                </c:pt>
+                <c:pt idx="5">
+                  <c:v>6</c:v>
+                </c:pt>
+                <c:pt idx="6">
+                  <c:v>6</c:v>
+                </c:pt>
+                <c:pt idx="7">
+                  <c:v>10</c:v>
+                </c:pt>
+                <c:pt idx="8">
+                  <c:v>10</c:v>
+                </c:pt>
+                <c:pt idx="9">
+                  <c:v>6</c:v>
+                </c:pt>
+              </c:numCache>
+            </c:numRef>
+          </c:val>
+        </c:ser>
+        <c:dLbls>
+          <c:showLegendKey val="0"/>
+          <c:showVal val="0"/>
+          <c:showCatName val="0"/>
+          <c:showSerName val="0"/>
+          <c:showPercent val="0"/>
+          <c:showBubbleSize val="0"/>
+          <c:showLeaderLines val="1"/>
+        </c:dLbls>
+        <c:firstSliceAng val="0"/>
+      </c:pieChart>
+      <c:spPr>
+        <a:noFill/>
+        <a:ln>
+          <a:noFill/>
+        </a:ln>
+        <a:effectLst/>
+      </c:spPr>
+    </c:plotArea>
+    <c:legend>
+      <c:legendPos val="r"/>
+      <c:layout/>
+      <c:overlay val="0"/>
+      <c:spPr>
+        <a:noFill/>
+        <a:ln>
+          <a:noFill/>
+        </a:ln>
+        <a:effectLst/>
+      </c:spPr>
+      <c:txPr>
+        <a:bodyPr rot="0" spcFirstLastPara="1" vertOverflow="ellipsis" vert="horz" wrap="square" anchor="ctr" anchorCtr="1"/>
+        <a:lstStyle/>
+        <a:p>
+          <a:pPr>
+            <a:defRPr sz="900" b="0" i="0" u="none" strike="noStrike" kern="1200" baseline="0">
+              <a:solidFill>
+                <a:schemeClr val="tx1">
+                  <a:lumMod val="65000"/>
+                  <a:lumOff val="35000"/>
+                </a:schemeClr>
+              </a:solidFill>
+              <a:latin typeface="+mn-lt"/>
+              <a:ea typeface="+mn-ea"/>
+              <a:cs typeface="+mn-cs"/>
+            </a:defRPr>
+          </a:pPr>
+          <a:endParaRPr lang="en-US"/>
+        </a:p>
+      </c:txPr>
+    </c:legend>
+    <c:plotVisOnly val="1"/>
+    <c:dispBlanksAs val="gap"/>
+    <c:showDLblsOverMax val="0"/>
+  </c:chart>
+  <c:spPr>
+    <a:noFill/>
+    <a:ln>
+      <a:noFill/>
+    </a:ln>
+    <a:effectLst/>
+  </c:spPr>
+  <c:txPr>
+    <a:bodyPr/>
+    <a:lstStyle/>
+    <a:p>
+      <a:pPr>
+        <a:defRPr/>
+      </a:pPr>
+      <a:endParaRPr lang="en-US"/>
+    </a:p>
+  </c:txPr>
+  <c:externalData r:id="rId3">
+    <c:autoUpdate val="0"/>
+  </c:externalData>
+  <c:extLst>
+    <c:ext xmlns:c14="http://schemas.microsoft.com/office/drawing/2007/8/2/chart" uri="{781A3756-C4B2-4CAC-9D66-4F8BD8637D16}">
+      <c14:pivotOptions>
+        <c14:dropZoneFilter val="1"/>
+        <c14:dropZoneCategories val="1"/>
+        <c14:dropZoneData val="1"/>
+        <c14:dropZoneSeries val="1"/>
+        <c14:dropZonesVisible val="1"/>
+      </c14:pivotOptions>
+    </c:ext>
+  </c:extLst>
+</c:chartSpace>
+</file>
+
 <file path=ppt/charts/colors1.xml><?xml version="1.0" encoding="utf-8"?>
+<cs:colorStyle xmlns:cs="http://schemas.microsoft.com/office/drawing/2012/chartStyle" xmlns:a="http://schemas.openxmlformats.org/drawingml/2006/main" meth="cycle" id="10">
+  <a:schemeClr val="accent1"/>
+  <a:schemeClr val="accent2"/>
+  <a:schemeClr val="accent3"/>
+  <a:schemeClr val="accent4"/>
+  <a:schemeClr val="accent5"/>
+  <a:schemeClr val="accent6"/>
+  <cs:variation/>
+  <cs:variation>
+    <a:lumMod val="60000"/>
+  </cs:variation>
+  <cs:variation>
+    <a:lumMod val="80000"/>
+    <a:lumOff val="20000"/>
+  </cs:variation>
+  <cs:variation>
+    <a:lumMod val="80000"/>
+  </cs:variation>
+  <cs:variation>
+    <a:lumMod val="60000"/>
+    <a:lumOff val="40000"/>
+  </cs:variation>
+  <cs:variation>
+    <a:lumMod val="50000"/>
+  </cs:variation>
+  <cs:variation>
+    <a:lumMod val="70000"/>
+    <a:lumOff val="30000"/>
+  </cs:variation>
+  <cs:variation>
+    <a:lumMod val="70000"/>
+  </cs:variation>
+  <cs:variation>
+    <a:lumMod val="50000"/>
+    <a:lumOff val="50000"/>
+  </cs:variation>
+</cs:colorStyle>
+</file>
+
+<file path=ppt/charts/colors2.xml><?xml version="1.0" encoding="utf-8"?>
 <cs:colorStyle xmlns:cs="http://schemas.microsoft.com/office/drawing/2012/chartStyle" xmlns:a="http://schemas.openxmlformats.org/drawingml/2006/main" meth="cycle" id="10">
   <a:schemeClr val="accent1"/>
   <a:schemeClr val="accent2"/>
@@ -1777,6 +4869,525 @@
 </cs:chartStyle>
 </file>
 
+<file path=ppt/charts/style2.xml><?xml version="1.0" encoding="utf-8"?>
+<cs:chartStyle xmlns:cs="http://schemas.microsoft.com/office/drawing/2012/chartStyle" xmlns:a="http://schemas.openxmlformats.org/drawingml/2006/main" id="251">
+  <cs:axisTitle>
+    <cs:lnRef idx="0"/>
+    <cs:fillRef idx="0"/>
+    <cs:effectRef idx="0"/>
+    <cs:fontRef idx="minor">
+      <a:schemeClr val="tx1">
+        <a:lumMod val="65000"/>
+        <a:lumOff val="35000"/>
+      </a:schemeClr>
+    </cs:fontRef>
+    <cs:defRPr sz="1000" kern="1200"/>
+  </cs:axisTitle>
+  <cs:categoryAxis>
+    <cs:lnRef idx="0"/>
+    <cs:fillRef idx="0"/>
+    <cs:effectRef idx="0"/>
+    <cs:fontRef idx="minor">
+      <a:schemeClr val="tx1">
+        <a:lumMod val="65000"/>
+        <a:lumOff val="35000"/>
+      </a:schemeClr>
+    </cs:fontRef>
+    <cs:spPr>
+      <a:ln w="9525" cap="flat" cmpd="sng" algn="ctr">
+        <a:solidFill>
+          <a:schemeClr val="tx1">
+            <a:lumMod val="15000"/>
+            <a:lumOff val="85000"/>
+          </a:schemeClr>
+        </a:solidFill>
+        <a:round/>
+      </a:ln>
+    </cs:spPr>
+    <cs:defRPr sz="900" kern="1200"/>
+  </cs:categoryAxis>
+  <cs:chartArea mods="allowNoFillOverride allowNoLineOverride">
+    <cs:lnRef idx="0"/>
+    <cs:fillRef idx="0"/>
+    <cs:effectRef idx="0"/>
+    <cs:fontRef idx="minor">
+      <a:schemeClr val="tx1"/>
+    </cs:fontRef>
+    <cs:spPr>
+      <a:solidFill>
+        <a:schemeClr val="bg1"/>
+      </a:solidFill>
+      <a:ln w="9525" cap="flat" cmpd="sng" algn="ctr">
+        <a:solidFill>
+          <a:schemeClr val="tx1">
+            <a:lumMod val="15000"/>
+            <a:lumOff val="85000"/>
+          </a:schemeClr>
+        </a:solidFill>
+        <a:round/>
+      </a:ln>
+    </cs:spPr>
+    <cs:defRPr sz="900" kern="1200"/>
+  </cs:chartArea>
+  <cs:dataLabel>
+    <cs:lnRef idx="0"/>
+    <cs:fillRef idx="0"/>
+    <cs:effectRef idx="0"/>
+    <cs:fontRef idx="minor">
+      <a:schemeClr val="tx1">
+        <a:lumMod val="75000"/>
+        <a:lumOff val="25000"/>
+      </a:schemeClr>
+    </cs:fontRef>
+    <cs:defRPr sz="900" kern="1200"/>
+  </cs:dataLabel>
+  <cs:dataLabelCallout>
+    <cs:lnRef idx="0"/>
+    <cs:fillRef idx="0"/>
+    <cs:effectRef idx="0"/>
+    <cs:fontRef idx="minor">
+      <a:schemeClr val="dk1">
+        <a:lumMod val="65000"/>
+        <a:lumOff val="35000"/>
+      </a:schemeClr>
+    </cs:fontRef>
+    <cs:spPr>
+      <a:solidFill>
+        <a:schemeClr val="lt1"/>
+      </a:solidFill>
+      <a:ln>
+        <a:solidFill>
+          <a:schemeClr val="dk1">
+            <a:lumMod val="25000"/>
+            <a:lumOff val="75000"/>
+          </a:schemeClr>
+        </a:solidFill>
+      </a:ln>
+    </cs:spPr>
+    <cs:defRPr sz="900" kern="1200"/>
+    <cs:bodyPr rot="0" spcFirstLastPara="1" vertOverflow="clip" horzOverflow="clip" vert="horz" wrap="square" lIns="36576" tIns="18288" rIns="36576" bIns="18288" anchor="ctr" anchorCtr="1">
+      <a:spAutoFit/>
+    </cs:bodyPr>
+  </cs:dataLabelCallout>
+  <cs:dataPoint>
+    <cs:lnRef idx="0"/>
+    <cs:fillRef idx="1">
+      <cs:styleClr val="auto"/>
+    </cs:fillRef>
+    <cs:effectRef idx="0"/>
+    <cs:fontRef idx="minor">
+      <a:schemeClr val="tx1"/>
+    </cs:fontRef>
+    <cs:spPr>
+      <a:ln w="19050">
+        <a:solidFill>
+          <a:schemeClr val="lt1"/>
+        </a:solidFill>
+      </a:ln>
+    </cs:spPr>
+  </cs:dataPoint>
+  <cs:dataPoint3D>
+    <cs:lnRef idx="0"/>
+    <cs:fillRef idx="1">
+      <cs:styleClr val="auto"/>
+    </cs:fillRef>
+    <cs:effectRef idx="0"/>
+    <cs:fontRef idx="minor">
+      <a:schemeClr val="tx1"/>
+    </cs:fontRef>
+    <cs:spPr>
+      <a:ln w="25400">
+        <a:solidFill>
+          <a:schemeClr val="lt1"/>
+        </a:solidFill>
+      </a:ln>
+    </cs:spPr>
+  </cs:dataPoint3D>
+  <cs:dataPointLine>
+    <cs:lnRef idx="0">
+      <cs:styleClr val="auto"/>
+    </cs:lnRef>
+    <cs:fillRef idx="0"/>
+    <cs:effectRef idx="0"/>
+    <cs:fontRef idx="minor">
+      <a:schemeClr val="tx1"/>
+    </cs:fontRef>
+    <cs:spPr>
+      <a:ln w="28575" cap="rnd">
+        <a:solidFill>
+          <a:schemeClr val="phClr"/>
+        </a:solidFill>
+        <a:round/>
+      </a:ln>
+    </cs:spPr>
+  </cs:dataPointLine>
+  <cs:dataPointMarker>
+    <cs:lnRef idx="0">
+      <cs:styleClr val="auto"/>
+    </cs:lnRef>
+    <cs:fillRef idx="1">
+      <cs:styleClr val="auto"/>
+    </cs:fillRef>
+    <cs:effectRef idx="0"/>
+    <cs:fontRef idx="minor">
+      <a:schemeClr val="tx1"/>
+    </cs:fontRef>
+    <cs:spPr>
+      <a:ln w="9525">
+        <a:solidFill>
+          <a:schemeClr val="phClr"/>
+        </a:solidFill>
+      </a:ln>
+    </cs:spPr>
+  </cs:dataPointMarker>
+  <cs:dataPointMarkerLayout symbol="circle" size="5"/>
+  <cs:dataPointWireframe>
+    <cs:lnRef idx="0">
+      <cs:styleClr val="auto"/>
+    </cs:lnRef>
+    <cs:fillRef idx="0"/>
+    <cs:effectRef idx="0"/>
+    <cs:fontRef idx="minor">
+      <a:schemeClr val="tx1"/>
+    </cs:fontRef>
+    <cs:spPr>
+      <a:ln w="9525" cap="rnd">
+        <a:solidFill>
+          <a:schemeClr val="phClr"/>
+        </a:solidFill>
+        <a:round/>
+      </a:ln>
+    </cs:spPr>
+  </cs:dataPointWireframe>
+  <cs:dataTable>
+    <cs:lnRef idx="0"/>
+    <cs:fillRef idx="0"/>
+    <cs:effectRef idx="0"/>
+    <cs:fontRef idx="minor">
+      <a:schemeClr val="tx1">
+        <a:lumMod val="65000"/>
+        <a:lumOff val="35000"/>
+      </a:schemeClr>
+    </cs:fontRef>
+    <cs:spPr>
+      <a:noFill/>
+      <a:ln w="9525" cap="flat" cmpd="sng" algn="ctr">
+        <a:solidFill>
+          <a:schemeClr val="tx1">
+            <a:lumMod val="15000"/>
+            <a:lumOff val="85000"/>
+          </a:schemeClr>
+        </a:solidFill>
+        <a:round/>
+      </a:ln>
+    </cs:spPr>
+    <cs:defRPr sz="900" kern="1200"/>
+  </cs:dataTable>
+  <cs:downBar>
+    <cs:lnRef idx="0"/>
+    <cs:fillRef idx="0"/>
+    <cs:effectRef idx="0"/>
+    <cs:fontRef idx="minor">
+      <a:schemeClr val="tx1"/>
+    </cs:fontRef>
+    <cs:spPr>
+      <a:solidFill>
+        <a:schemeClr val="dk1">
+          <a:lumMod val="75000"/>
+          <a:lumOff val="25000"/>
+        </a:schemeClr>
+      </a:solidFill>
+      <a:ln w="9525" cap="flat" cmpd="sng" algn="ctr">
+        <a:solidFill>
+          <a:schemeClr val="tx1">
+            <a:lumMod val="65000"/>
+            <a:lumOff val="35000"/>
+          </a:schemeClr>
+        </a:solidFill>
+        <a:round/>
+      </a:ln>
+    </cs:spPr>
+  </cs:downBar>
+  <cs:dropLine>
+    <cs:lnRef idx="0"/>
+    <cs:fillRef idx="0"/>
+    <cs:effectRef idx="0"/>
+    <cs:fontRef idx="minor">
+      <a:schemeClr val="tx1"/>
+    </cs:fontRef>
+    <cs:spPr>
+      <a:ln w="9525" cap="flat" cmpd="sng" algn="ctr">
+        <a:solidFill>
+          <a:schemeClr val="tx1">
+            <a:lumMod val="35000"/>
+            <a:lumOff val="65000"/>
+          </a:schemeClr>
+        </a:solidFill>
+        <a:round/>
+      </a:ln>
+    </cs:spPr>
+  </cs:dropLine>
+  <cs:errorBar>
+    <cs:lnRef idx="0"/>
+    <cs:fillRef idx="0"/>
+    <cs:effectRef idx="0"/>
+    <cs:fontRef idx="minor">
+      <a:schemeClr val="tx1"/>
+    </cs:fontRef>
+    <cs:spPr>
+      <a:ln w="9525" cap="flat" cmpd="sng" algn="ctr">
+        <a:solidFill>
+          <a:schemeClr val="tx1">
+            <a:lumMod val="65000"/>
+            <a:lumOff val="35000"/>
+          </a:schemeClr>
+        </a:solidFill>
+        <a:round/>
+      </a:ln>
+    </cs:spPr>
+  </cs:errorBar>
+  <cs:floor>
+    <cs:lnRef idx="0"/>
+    <cs:fillRef idx="0"/>
+    <cs:effectRef idx="0"/>
+    <cs:fontRef idx="minor">
+      <a:schemeClr val="tx1"/>
+    </cs:fontRef>
+    <cs:spPr>
+      <a:noFill/>
+      <a:ln>
+        <a:noFill/>
+      </a:ln>
+    </cs:spPr>
+  </cs:floor>
+  <cs:gridlineMajor>
+    <cs:lnRef idx="0"/>
+    <cs:fillRef idx="0"/>
+    <cs:effectRef idx="0"/>
+    <cs:fontRef idx="minor">
+      <a:schemeClr val="tx1"/>
+    </cs:fontRef>
+    <cs:spPr>
+      <a:ln w="9525" cap="flat" cmpd="sng" algn="ctr">
+        <a:solidFill>
+          <a:schemeClr val="tx1">
+            <a:lumMod val="15000"/>
+            <a:lumOff val="85000"/>
+          </a:schemeClr>
+        </a:solidFill>
+        <a:round/>
+      </a:ln>
+    </cs:spPr>
+  </cs:gridlineMajor>
+  <cs:gridlineMinor>
+    <cs:lnRef idx="0"/>
+    <cs:fillRef idx="0"/>
+    <cs:effectRef idx="0"/>
+    <cs:fontRef idx="minor">
+      <a:schemeClr val="tx1"/>
+    </cs:fontRef>
+    <cs:spPr>
+      <a:ln w="9525" cap="flat" cmpd="sng" algn="ctr">
+        <a:solidFill>
+          <a:schemeClr val="tx1">
+            <a:lumMod val="5000"/>
+            <a:lumOff val="95000"/>
+          </a:schemeClr>
+        </a:solidFill>
+        <a:round/>
+      </a:ln>
+    </cs:spPr>
+  </cs:gridlineMinor>
+  <cs:hiLoLine>
+    <cs:lnRef idx="0"/>
+    <cs:fillRef idx="0"/>
+    <cs:effectRef idx="0"/>
+    <cs:fontRef idx="minor">
+      <a:schemeClr val="tx1"/>
+    </cs:fontRef>
+    <cs:spPr>
+      <a:ln w="9525" cap="flat" cmpd="sng" algn="ctr">
+        <a:solidFill>
+          <a:schemeClr val="tx1">
+            <a:lumMod val="50000"/>
+            <a:lumOff val="50000"/>
+          </a:schemeClr>
+        </a:solidFill>
+        <a:round/>
+      </a:ln>
+    </cs:spPr>
+  </cs:hiLoLine>
+  <cs:leaderLine>
+    <cs:lnRef idx="0"/>
+    <cs:fillRef idx="0"/>
+    <cs:effectRef idx="0"/>
+    <cs:fontRef idx="minor">
+      <a:schemeClr val="tx1"/>
+    </cs:fontRef>
+    <cs:spPr>
+      <a:ln w="9525" cap="flat" cmpd="sng" algn="ctr">
+        <a:solidFill>
+          <a:schemeClr val="tx1">
+            <a:lumMod val="35000"/>
+            <a:lumOff val="65000"/>
+          </a:schemeClr>
+        </a:solidFill>
+        <a:round/>
+      </a:ln>
+    </cs:spPr>
+  </cs:leaderLine>
+  <cs:legend>
+    <cs:lnRef idx="0"/>
+    <cs:fillRef idx="0"/>
+    <cs:effectRef idx="0"/>
+    <cs:fontRef idx="minor">
+      <a:schemeClr val="tx1">
+        <a:lumMod val="65000"/>
+        <a:lumOff val="35000"/>
+      </a:schemeClr>
+    </cs:fontRef>
+    <cs:defRPr sz="900" kern="1200"/>
+  </cs:legend>
+  <cs:plotArea mods="allowNoFillOverride allowNoLineOverride">
+    <cs:lnRef idx="0"/>
+    <cs:fillRef idx="0"/>
+    <cs:effectRef idx="0"/>
+    <cs:fontRef idx="minor">
+      <a:schemeClr val="tx1"/>
+    </cs:fontRef>
+  </cs:plotArea>
+  <cs:plotArea3D mods="allowNoFillOverride allowNoLineOverride">
+    <cs:lnRef idx="0"/>
+    <cs:fillRef idx="0"/>
+    <cs:effectRef idx="0"/>
+    <cs:fontRef idx="minor">
+      <a:schemeClr val="tx1"/>
+    </cs:fontRef>
+  </cs:plotArea3D>
+  <cs:seriesAxis>
+    <cs:lnRef idx="0"/>
+    <cs:fillRef idx="0"/>
+    <cs:effectRef idx="0"/>
+    <cs:fontRef idx="minor">
+      <a:schemeClr val="tx1">
+        <a:lumMod val="65000"/>
+        <a:lumOff val="35000"/>
+      </a:schemeClr>
+    </cs:fontRef>
+    <cs:defRPr sz="900" kern="1200"/>
+  </cs:seriesAxis>
+  <cs:seriesLine>
+    <cs:lnRef idx="0"/>
+    <cs:fillRef idx="0"/>
+    <cs:effectRef idx="0"/>
+    <cs:fontRef idx="minor">
+      <a:schemeClr val="tx1"/>
+    </cs:fontRef>
+    <cs:spPr>
+      <a:ln w="9525" cap="flat" cmpd="sng" algn="ctr">
+        <a:solidFill>
+          <a:schemeClr val="tx1">
+            <a:lumMod val="35000"/>
+            <a:lumOff val="65000"/>
+          </a:schemeClr>
+        </a:solidFill>
+        <a:round/>
+      </a:ln>
+    </cs:spPr>
+  </cs:seriesLine>
+  <cs:title>
+    <cs:lnRef idx="0"/>
+    <cs:fillRef idx="0"/>
+    <cs:effectRef idx="0"/>
+    <cs:fontRef idx="minor">
+      <a:schemeClr val="tx1">
+        <a:lumMod val="65000"/>
+        <a:lumOff val="35000"/>
+      </a:schemeClr>
+    </cs:fontRef>
+    <cs:defRPr sz="1400" b="0" kern="1200" spc="0" baseline="0"/>
+  </cs:title>
+  <cs:trendline>
+    <cs:lnRef idx="0">
+      <cs:styleClr val="auto"/>
+    </cs:lnRef>
+    <cs:fillRef idx="0"/>
+    <cs:effectRef idx="0"/>
+    <cs:fontRef idx="minor">
+      <a:schemeClr val="tx1"/>
+    </cs:fontRef>
+    <cs:spPr>
+      <a:ln w="19050" cap="rnd">
+        <a:solidFill>
+          <a:schemeClr val="phClr"/>
+        </a:solidFill>
+        <a:prstDash val="sysDot"/>
+      </a:ln>
+    </cs:spPr>
+  </cs:trendline>
+  <cs:trendlineLabel>
+    <cs:lnRef idx="0"/>
+    <cs:fillRef idx="0"/>
+    <cs:effectRef idx="0"/>
+    <cs:fontRef idx="minor">
+      <a:schemeClr val="tx1">
+        <a:lumMod val="65000"/>
+        <a:lumOff val="35000"/>
+      </a:schemeClr>
+    </cs:fontRef>
+    <cs:defRPr sz="900" kern="1200"/>
+  </cs:trendlineLabel>
+  <cs:upBar>
+    <cs:lnRef idx="0"/>
+    <cs:fillRef idx="0"/>
+    <cs:effectRef idx="0"/>
+    <cs:fontRef idx="minor">
+      <a:schemeClr val="tx1"/>
+    </cs:fontRef>
+    <cs:spPr>
+      <a:solidFill>
+        <a:schemeClr val="lt1"/>
+      </a:solidFill>
+      <a:ln w="9525" cap="flat" cmpd="sng" algn="ctr">
+        <a:solidFill>
+          <a:schemeClr val="tx1">
+            <a:lumMod val="65000"/>
+            <a:lumOff val="35000"/>
+          </a:schemeClr>
+        </a:solidFill>
+        <a:round/>
+      </a:ln>
+    </cs:spPr>
+  </cs:upBar>
+  <cs:valueAxis>
+    <cs:lnRef idx="0"/>
+    <cs:fillRef idx="0"/>
+    <cs:effectRef idx="0"/>
+    <cs:fontRef idx="minor">
+      <a:schemeClr val="tx1">
+        <a:lumMod val="65000"/>
+        <a:lumOff val="35000"/>
+      </a:schemeClr>
+    </cs:fontRef>
+    <cs:defRPr sz="900" kern="1200"/>
+  </cs:valueAxis>
+  <cs:wall>
+    <cs:lnRef idx="0"/>
+    <cs:fillRef idx="0"/>
+    <cs:effectRef idx="0"/>
+    <cs:fontRef idx="minor">
+      <a:schemeClr val="tx1"/>
+    </cs:fontRef>
+    <cs:spPr>
+      <a:noFill/>
+      <a:ln>
+        <a:noFill/>
+      </a:ln>
+    </cs:spPr>
+  </cs:wall>
+</cs:chartStyle>
+</file>
+
 <file path=ppt/handoutMasters/handoutMaster1.xml><?xml version="1.0" encoding="utf-8"?>
 <p:handoutMaster xmlns:a="http://schemas.openxmlformats.org/drawingml/2006/main" xmlns:r="http://schemas.openxmlformats.org/officeDocument/2006/relationships" xmlns:p="http://schemas.openxmlformats.org/presentationml/2006/main">
   <p:cSld>
@@ -1804,7 +5415,7 @@
           <p:cNvPr id="2" name="Header Placeholder 1">
             <a:extLst>
               <a:ext uri="{FF2B5EF4-FFF2-40B4-BE49-F238E27FC236}">
-                <a16:creationId xmlns="" xmlns:a16="http://schemas.microsoft.com/office/drawing/2014/main" id="{1AD81DDF-98D4-498E-A94D-DDD7A807AD43}"/>
+                <a16:creationId xmlns:a16="http://schemas.microsoft.com/office/drawing/2014/main" xmlns="" id="{1AD81DDF-98D4-498E-A94D-DDD7A807AD43}"/>
               </a:ext>
             </a:extLst>
           </p:cNvPr>
@@ -1841,7 +5452,7 @@
           <p:cNvPr id="3" name="Date Placeholder 2">
             <a:extLst>
               <a:ext uri="{FF2B5EF4-FFF2-40B4-BE49-F238E27FC236}">
-                <a16:creationId xmlns="" xmlns:a16="http://schemas.microsoft.com/office/drawing/2014/main" id="{6391BFCE-55A1-4C09-B4B5-9359AD6F4DF3}"/>
+                <a16:creationId xmlns:a16="http://schemas.microsoft.com/office/drawing/2014/main" xmlns="" id="{6391BFCE-55A1-4C09-B4B5-9359AD6F4DF3}"/>
               </a:ext>
             </a:extLst>
           </p:cNvPr>
@@ -1882,7 +5493,7 @@
           <p:cNvPr id="4" name="Footer Placeholder 3">
             <a:extLst>
               <a:ext uri="{FF2B5EF4-FFF2-40B4-BE49-F238E27FC236}">
-                <a16:creationId xmlns="" xmlns:a16="http://schemas.microsoft.com/office/drawing/2014/main" id="{4BEEB1F3-97EE-4F0D-B402-E34820EC6842}"/>
+                <a16:creationId xmlns:a16="http://schemas.microsoft.com/office/drawing/2014/main" xmlns="" id="{4BEEB1F3-97EE-4F0D-B402-E34820EC6842}"/>
               </a:ext>
             </a:extLst>
           </p:cNvPr>
@@ -1919,7 +5530,7 @@
           <p:cNvPr id="5" name="Slide Number Placeholder 4">
             <a:extLst>
               <a:ext uri="{FF2B5EF4-FFF2-40B4-BE49-F238E27FC236}">
-                <a16:creationId xmlns="" xmlns:a16="http://schemas.microsoft.com/office/drawing/2014/main" id="{A054877F-A04A-4D6A-A0A8-95CC6E2D2A37}"/>
+                <a16:creationId xmlns:a16="http://schemas.microsoft.com/office/drawing/2014/main" xmlns="" id="{A054877F-A04A-4D6A-A0A8-95CC6E2D2A37}"/>
               </a:ext>
             </a:extLst>
           </p:cNvPr>
@@ -2745,7 +6356,7 @@
           <p:cNvPr id="9" name="Straight Connector 8">
             <a:extLst>
               <a:ext uri="{FF2B5EF4-FFF2-40B4-BE49-F238E27FC236}">
-                <a16:creationId xmlns="" xmlns:a16="http://schemas.microsoft.com/office/drawing/2014/main" id="{6CC09F73-0AD6-4A1E-A331-75A00B808982}"/>
+                <a16:creationId xmlns:a16="http://schemas.microsoft.com/office/drawing/2014/main" xmlns="" id="{6CC09F73-0AD6-4A1E-A331-75A00B808982}"/>
               </a:ext>
             </a:extLst>
           </p:cNvPr>
@@ -2782,7 +6393,7 @@
           <p:cNvPr id="8" name="Content Placeholder 2">
             <a:extLst>
               <a:ext uri="{FF2B5EF4-FFF2-40B4-BE49-F238E27FC236}">
-                <a16:creationId xmlns="" xmlns:a16="http://schemas.microsoft.com/office/drawing/2014/main" id="{9DE9A20D-024F-4A17-9B20-526AA4037253}"/>
+                <a16:creationId xmlns:a16="http://schemas.microsoft.com/office/drawing/2014/main" xmlns="" id="{9DE9A20D-024F-4A17-9B20-526AA4037253}"/>
               </a:ext>
             </a:extLst>
           </p:cNvPr>
@@ -2845,7 +6456,7 @@
           <p:cNvPr id="10" name="Content Placeholder 2">
             <a:extLst>
               <a:ext uri="{FF2B5EF4-FFF2-40B4-BE49-F238E27FC236}">
-                <a16:creationId xmlns="" xmlns:a16="http://schemas.microsoft.com/office/drawing/2014/main" id="{37D8F60F-F9DD-4AAC-BF28-C004CCDF2D69}"/>
+                <a16:creationId xmlns:a16="http://schemas.microsoft.com/office/drawing/2014/main" xmlns="" id="{37D8F60F-F9DD-4AAC-BF28-C004CCDF2D69}"/>
               </a:ext>
             </a:extLst>
           </p:cNvPr>
@@ -2908,7 +6519,7 @@
           <p:cNvPr id="11" name="Text Placeholder 3">
             <a:extLst>
               <a:ext uri="{FF2B5EF4-FFF2-40B4-BE49-F238E27FC236}">
-                <a16:creationId xmlns="" xmlns:a16="http://schemas.microsoft.com/office/drawing/2014/main" id="{8F09FDD8-5B1C-4AAA-8EEC-0A77C9E477D1}"/>
+                <a16:creationId xmlns:a16="http://schemas.microsoft.com/office/drawing/2014/main" xmlns="" id="{8F09FDD8-5B1C-4AAA-8EEC-0A77C9E477D1}"/>
               </a:ext>
             </a:extLst>
           </p:cNvPr>
@@ -2979,7 +6590,7 @@
           <p:cNvPr id="12" name="Text Placeholder 3">
             <a:extLst>
               <a:ext uri="{FF2B5EF4-FFF2-40B4-BE49-F238E27FC236}">
-                <a16:creationId xmlns="" xmlns:a16="http://schemas.microsoft.com/office/drawing/2014/main" id="{E6DF0B7E-E17E-4875-966D-4DE67F755B71}"/>
+                <a16:creationId xmlns:a16="http://schemas.microsoft.com/office/drawing/2014/main" xmlns="" id="{E6DF0B7E-E17E-4875-966D-4DE67F755B71}"/>
               </a:ext>
             </a:extLst>
           </p:cNvPr>
@@ -3050,7 +6661,7 @@
           <p:cNvPr id="13" name="Straight Connector 12">
             <a:extLst>
               <a:ext uri="{FF2B5EF4-FFF2-40B4-BE49-F238E27FC236}">
-                <a16:creationId xmlns="" xmlns:a16="http://schemas.microsoft.com/office/drawing/2014/main" id="{5685D963-B130-47E9-AFCC-AEBED2B1155B}"/>
+                <a16:creationId xmlns:a16="http://schemas.microsoft.com/office/drawing/2014/main" xmlns="" id="{5685D963-B130-47E9-AFCC-AEBED2B1155B}"/>
               </a:ext>
             </a:extLst>
           </p:cNvPr>
@@ -3095,7 +6706,7 @@
           <p:cNvPr id="14" name="Straight Connector 13">
             <a:extLst>
               <a:ext uri="{FF2B5EF4-FFF2-40B4-BE49-F238E27FC236}">
-                <a16:creationId xmlns="" xmlns:a16="http://schemas.microsoft.com/office/drawing/2014/main" id="{2FA9B6CF-713A-4942-BE35-A61AFCDDFD3D}"/>
+                <a16:creationId xmlns:a16="http://schemas.microsoft.com/office/drawing/2014/main" xmlns="" id="{2FA9B6CF-713A-4942-BE35-A61AFCDDFD3D}"/>
               </a:ext>
             </a:extLst>
           </p:cNvPr>
@@ -3140,7 +6751,7 @@
           <p:cNvPr id="19" name="Text Placeholder 18">
             <a:extLst>
               <a:ext uri="{FF2B5EF4-FFF2-40B4-BE49-F238E27FC236}">
-                <a16:creationId xmlns="" xmlns:a16="http://schemas.microsoft.com/office/drawing/2014/main" id="{93809A32-C7A4-4739-994B-BE492F855ACC}"/>
+                <a16:creationId xmlns:a16="http://schemas.microsoft.com/office/drawing/2014/main" xmlns="" id="{93809A32-C7A4-4739-994B-BE492F855ACC}"/>
               </a:ext>
             </a:extLst>
           </p:cNvPr>
@@ -3205,7 +6816,7 @@
           <p:cNvPr id="7" name="Title 6">
             <a:extLst>
               <a:ext uri="{FF2B5EF4-FFF2-40B4-BE49-F238E27FC236}">
-                <a16:creationId xmlns="" xmlns:a16="http://schemas.microsoft.com/office/drawing/2014/main" id="{2C1ABD52-D5FE-4FC2-8449-5DA0E52853E1}"/>
+                <a16:creationId xmlns:a16="http://schemas.microsoft.com/office/drawing/2014/main" xmlns="" id="{2C1ABD52-D5FE-4FC2-8449-5DA0E52853E1}"/>
               </a:ext>
             </a:extLst>
           </p:cNvPr>
@@ -3863,7 +7474,7 @@
           <p:cNvPr id="6" name="Title 5">
             <a:extLst>
               <a:ext uri="{FF2B5EF4-FFF2-40B4-BE49-F238E27FC236}">
-                <a16:creationId xmlns="" xmlns:a16="http://schemas.microsoft.com/office/drawing/2014/main" id="{C414FF1F-6558-4E39-87DB-276E44F5477C}"/>
+                <a16:creationId xmlns:a16="http://schemas.microsoft.com/office/drawing/2014/main" xmlns="" id="{C414FF1F-6558-4E39-87DB-276E44F5477C}"/>
               </a:ext>
             </a:extLst>
           </p:cNvPr>
@@ -4380,7 +7991,7 @@
           <p:cNvPr id="9" name="Straight Connector 8">
             <a:extLst>
               <a:ext uri="{FF2B5EF4-FFF2-40B4-BE49-F238E27FC236}">
-                <a16:creationId xmlns="" xmlns:a16="http://schemas.microsoft.com/office/drawing/2014/main" id="{4715607D-9DE2-4687-AAF8-EF2427252A90}"/>
+                <a16:creationId xmlns:a16="http://schemas.microsoft.com/office/drawing/2014/main" xmlns="" id="{4715607D-9DE2-4687-AAF8-EF2427252A90}"/>
               </a:ext>
             </a:extLst>
           </p:cNvPr>
@@ -4417,7 +8028,7 @@
           <p:cNvPr id="7" name="Title 6">
             <a:extLst>
               <a:ext uri="{FF2B5EF4-FFF2-40B4-BE49-F238E27FC236}">
-                <a16:creationId xmlns="" xmlns:a16="http://schemas.microsoft.com/office/drawing/2014/main" id="{2F96D46B-C1B8-46AB-87DF-61A8058B1F42}"/>
+                <a16:creationId xmlns:a16="http://schemas.microsoft.com/office/drawing/2014/main" xmlns="" id="{2F96D46B-C1B8-46AB-87DF-61A8058B1F42}"/>
               </a:ext>
             </a:extLst>
           </p:cNvPr>
@@ -4803,7 +8414,7 @@
           <p:cNvPr id="11" name="Straight Connector 10">
             <a:extLst>
               <a:ext uri="{FF2B5EF4-FFF2-40B4-BE49-F238E27FC236}">
-                <a16:creationId xmlns="" xmlns:a16="http://schemas.microsoft.com/office/drawing/2014/main" id="{C384AA55-1960-47F4-BA3C-E97A6F2D0B19}"/>
+                <a16:creationId xmlns:a16="http://schemas.microsoft.com/office/drawing/2014/main" xmlns="" id="{C384AA55-1960-47F4-BA3C-E97A6F2D0B19}"/>
               </a:ext>
             </a:extLst>
           </p:cNvPr>
@@ -4840,7 +8451,7 @@
           <p:cNvPr id="9" name="Title 8">
             <a:extLst>
               <a:ext uri="{FF2B5EF4-FFF2-40B4-BE49-F238E27FC236}">
-                <a16:creationId xmlns="" xmlns:a16="http://schemas.microsoft.com/office/drawing/2014/main" id="{09471694-1220-4CFC-A31F-622E5D3DE2D5}"/>
+                <a16:creationId xmlns:a16="http://schemas.microsoft.com/office/drawing/2014/main" xmlns="" id="{09471694-1220-4CFC-A31F-622E5D3DE2D5}"/>
               </a:ext>
             </a:extLst>
           </p:cNvPr>
@@ -4964,7 +8575,7 @@
           <p:cNvPr id="7" name="Straight Connector 6">
             <a:extLst>
               <a:ext uri="{FF2B5EF4-FFF2-40B4-BE49-F238E27FC236}">
-                <a16:creationId xmlns="" xmlns:a16="http://schemas.microsoft.com/office/drawing/2014/main" id="{FFB55B52-B62C-4800-AAC1-B15AF2FE1F45}"/>
+                <a16:creationId xmlns:a16="http://schemas.microsoft.com/office/drawing/2014/main" xmlns="" id="{FFB55B52-B62C-4800-AAC1-B15AF2FE1F45}"/>
               </a:ext>
             </a:extLst>
           </p:cNvPr>
@@ -5001,7 +8612,7 @@
           <p:cNvPr id="5" name="Title 4">
             <a:extLst>
               <a:ext uri="{FF2B5EF4-FFF2-40B4-BE49-F238E27FC236}">
-                <a16:creationId xmlns="" xmlns:a16="http://schemas.microsoft.com/office/drawing/2014/main" id="{3DF0054B-B64C-418E-A1B8-428EE4A1DB50}"/>
+                <a16:creationId xmlns:a16="http://schemas.microsoft.com/office/drawing/2014/main" xmlns="" id="{3DF0054B-B64C-418E-A1B8-428EE4A1DB50}"/>
               </a:ext>
             </a:extLst>
           </p:cNvPr>
@@ -5125,7 +8736,7 @@
           <p:cNvPr id="7" name="Straight Connector 6">
             <a:extLst>
               <a:ext uri="{FF2B5EF4-FFF2-40B4-BE49-F238E27FC236}">
-                <a16:creationId xmlns="" xmlns:a16="http://schemas.microsoft.com/office/drawing/2014/main" id="{FFB55B52-B62C-4800-AAC1-B15AF2FE1F45}"/>
+                <a16:creationId xmlns:a16="http://schemas.microsoft.com/office/drawing/2014/main" xmlns="" id="{FFB55B52-B62C-4800-AAC1-B15AF2FE1F45}"/>
               </a:ext>
             </a:extLst>
           </p:cNvPr>
@@ -5162,7 +8773,7 @@
           <p:cNvPr id="5" name="Title 4">
             <a:extLst>
               <a:ext uri="{FF2B5EF4-FFF2-40B4-BE49-F238E27FC236}">
-                <a16:creationId xmlns="" xmlns:a16="http://schemas.microsoft.com/office/drawing/2014/main" id="{3DF0054B-B64C-418E-A1B8-428EE4A1DB50}"/>
+                <a16:creationId xmlns:a16="http://schemas.microsoft.com/office/drawing/2014/main" xmlns="" id="{3DF0054B-B64C-418E-A1B8-428EE4A1DB50}"/>
               </a:ext>
             </a:extLst>
           </p:cNvPr>
@@ -5191,7 +8802,7 @@
           <p:cNvPr id="6" name="Text Placeholder 5">
             <a:extLst>
               <a:ext uri="{FF2B5EF4-FFF2-40B4-BE49-F238E27FC236}">
-                <a16:creationId xmlns="" xmlns:a16="http://schemas.microsoft.com/office/drawing/2014/main" id="{A5A680F6-C147-410B-94DF-19850752D7DF}"/>
+                <a16:creationId xmlns:a16="http://schemas.microsoft.com/office/drawing/2014/main" xmlns="" id="{A5A680F6-C147-410B-94DF-19850752D7DF}"/>
               </a:ext>
             </a:extLst>
           </p:cNvPr>
@@ -5548,7 +9159,7 @@
           <p:cNvPr id="9" name="Straight Connector 8">
             <a:extLst>
               <a:ext uri="{FF2B5EF4-FFF2-40B4-BE49-F238E27FC236}">
-                <a16:creationId xmlns="" xmlns:a16="http://schemas.microsoft.com/office/drawing/2014/main" id="{6CC09F73-0AD6-4A1E-A331-75A00B808982}"/>
+                <a16:creationId xmlns:a16="http://schemas.microsoft.com/office/drawing/2014/main" xmlns="" id="{6CC09F73-0AD6-4A1E-A331-75A00B808982}"/>
               </a:ext>
             </a:extLst>
           </p:cNvPr>
@@ -5585,7 +9196,7 @@
           <p:cNvPr id="7" name="Title 6">
             <a:extLst>
               <a:ext uri="{FF2B5EF4-FFF2-40B4-BE49-F238E27FC236}">
-                <a16:creationId xmlns="" xmlns:a16="http://schemas.microsoft.com/office/drawing/2014/main" id="{1B74F78C-6D32-47C3-ABB2-6E7092A9C4A3}"/>
+                <a16:creationId xmlns:a16="http://schemas.microsoft.com/office/drawing/2014/main" xmlns="" id="{1B74F78C-6D32-47C3-ABB2-6E7092A9C4A3}"/>
               </a:ext>
             </a:extLst>
           </p:cNvPr>
@@ -6348,7 +9959,7 @@
           <p:cNvPr id="2" name="Title 1">
             <a:extLst>
               <a:ext uri="{FF2B5EF4-FFF2-40B4-BE49-F238E27FC236}">
-                <a16:creationId xmlns="" xmlns:a16="http://schemas.microsoft.com/office/drawing/2014/main" id="{90DCA56C-7A25-4BD4-AA72-5256E68BE4CB}"/>
+                <a16:creationId xmlns:a16="http://schemas.microsoft.com/office/drawing/2014/main" xmlns="" id="{90DCA56C-7A25-4BD4-AA72-5256E68BE4CB}"/>
               </a:ext>
             </a:extLst>
           </p:cNvPr>
@@ -6385,7 +9996,7 @@
           <p:cNvPr id="3" name="Subtitle 2">
             <a:extLst>
               <a:ext uri="{FF2B5EF4-FFF2-40B4-BE49-F238E27FC236}">
-                <a16:creationId xmlns="" xmlns:a16="http://schemas.microsoft.com/office/drawing/2014/main" id="{BBBCF363-1123-45B1-8A9A-ABCDA40EF3F2}"/>
+                <a16:creationId xmlns:a16="http://schemas.microsoft.com/office/drawing/2014/main" xmlns="" id="{BBBCF363-1123-45B1-8A9A-ABCDA40EF3F2}"/>
               </a:ext>
             </a:extLst>
           </p:cNvPr>
@@ -6877,28 +10488,7 @@
                 <a:latin typeface="Times New Roman" panose="02020603050405020304" pitchFamily="18" charset="0"/>
                 <a:cs typeface="Times New Roman" panose="02020603050405020304" pitchFamily="18" charset="0"/>
               </a:rPr>
-              <a:t>From employees current rating data </a:t>
-            </a:r>
-            <a:r>
-              <a:rPr lang="en-IN" sz="2400" dirty="0" smtClean="0">
-                <a:latin typeface="Times New Roman" panose="02020603050405020304" pitchFamily="18" charset="0"/>
-                <a:cs typeface="Times New Roman" panose="02020603050405020304" pitchFamily="18" charset="0"/>
-              </a:rPr>
-              <a:t>should </a:t>
-            </a:r>
-            <a:r>
-              <a:rPr lang="en-IN" sz="2400" dirty="0" smtClean="0">
-                <a:latin typeface="Times New Roman" panose="02020603050405020304" pitchFamily="18" charset="0"/>
-                <a:cs typeface="Times New Roman" panose="02020603050405020304" pitchFamily="18" charset="0"/>
-              </a:rPr>
-              <a:t>found </a:t>
-            </a:r>
-            <a:r>
-              <a:rPr lang="en-IN" sz="2400" dirty="0" smtClean="0">
-                <a:latin typeface="Times New Roman" panose="02020603050405020304" pitchFamily="18" charset="0"/>
-                <a:cs typeface="Times New Roman" panose="02020603050405020304" pitchFamily="18" charset="0"/>
-              </a:rPr>
-              <a:t>employees performance level </a:t>
+              <a:t>From employees current rating data should found employees performance level </a:t>
             </a:r>
           </a:p>
           <a:p>
@@ -6924,21 +10514,7 @@
                 <a:latin typeface="Times New Roman" panose="02020603050405020304" pitchFamily="18" charset="0"/>
                 <a:cs typeface="Times New Roman" panose="02020603050405020304" pitchFamily="18" charset="0"/>
               </a:rPr>
-              <a:t>To find the level </a:t>
-            </a:r>
-            <a:r>
-              <a:rPr lang="en-IN" sz="2400" dirty="0" smtClean="0">
-                <a:latin typeface="Times New Roman" panose="02020603050405020304" pitchFamily="18" charset="0"/>
-                <a:cs typeface="Times New Roman" panose="02020603050405020304" pitchFamily="18" charset="0"/>
-              </a:rPr>
-              <a:t> use </a:t>
-            </a:r>
-            <a:r>
-              <a:rPr lang="en-IN" sz="2400" dirty="0" smtClean="0">
-                <a:latin typeface="Times New Roman" panose="02020603050405020304" pitchFamily="18" charset="0"/>
-                <a:cs typeface="Times New Roman" panose="02020603050405020304" pitchFamily="18" charset="0"/>
-              </a:rPr>
-              <a:t>formula </a:t>
+              <a:t>To find the level  use formula </a:t>
             </a:r>
           </a:p>
           <a:p>
@@ -7046,41 +10622,20 @@
                 <a:latin typeface="Times New Roman" panose="02020603050405020304" pitchFamily="18" charset="0"/>
                 <a:cs typeface="Times New Roman" panose="02020603050405020304" pitchFamily="18" charset="0"/>
               </a:rPr>
-              <a:t>Under pivot table </a:t>
-            </a:r>
+              <a:t>Under pivot table  place gender code in filters , performance level in columns , business units in rows and name in values </a:t>
+            </a:r>
+          </a:p>
+          <a:p>
+            <a:pPr marL="457200" indent="-457200">
+              <a:buFont typeface="+mj-lt"/>
+              <a:buAutoNum type="arabicParenR"/>
+            </a:pPr>
             <a:r>
               <a:rPr lang="en-IN" sz="2400" dirty="0" smtClean="0">
                 <a:latin typeface="Times New Roman" panose="02020603050405020304" pitchFamily="18" charset="0"/>
                 <a:cs typeface="Times New Roman" panose="02020603050405020304" pitchFamily="18" charset="0"/>
               </a:rPr>
-              <a:t> place </a:t>
-            </a:r>
-            <a:r>
-              <a:rPr lang="en-IN" sz="2400" dirty="0" smtClean="0">
-                <a:latin typeface="Times New Roman" panose="02020603050405020304" pitchFamily="18" charset="0"/>
-                <a:cs typeface="Times New Roman" panose="02020603050405020304" pitchFamily="18" charset="0"/>
-              </a:rPr>
-              <a:t>gender code in filters , performance level in columns , business units in rows and name in values </a:t>
-            </a:r>
-          </a:p>
-          <a:p>
-            <a:pPr marL="457200" indent="-457200">
-              <a:buFont typeface="+mj-lt"/>
-              <a:buAutoNum type="arabicParenR"/>
-            </a:pPr>
-            <a:r>
-              <a:rPr lang="en-IN" sz="2400" dirty="0" smtClean="0">
-                <a:latin typeface="Times New Roman" panose="02020603050405020304" pitchFamily="18" charset="0"/>
-                <a:cs typeface="Times New Roman" panose="02020603050405020304" pitchFamily="18" charset="0"/>
-              </a:rPr>
-              <a:t> should </a:t>
-            </a:r>
-            <a:r>
-              <a:rPr lang="en-IN" sz="2400" dirty="0" smtClean="0">
-                <a:latin typeface="Times New Roman" panose="02020603050405020304" pitchFamily="18" charset="0"/>
-                <a:cs typeface="Times New Roman" panose="02020603050405020304" pitchFamily="18" charset="0"/>
-              </a:rPr>
-              <a:t>filter overall data into female data</a:t>
+              <a:t> should filter overall data into female data</a:t>
             </a:r>
           </a:p>
           <a:p>
@@ -7119,14 +10674,7 @@
                 <a:latin typeface="Times New Roman" panose="02020603050405020304" pitchFamily="18" charset="0"/>
                 <a:cs typeface="Times New Roman" panose="02020603050405020304" pitchFamily="18" charset="0"/>
               </a:rPr>
-              <a:t>selected </a:t>
-            </a:r>
-            <a:r>
-              <a:rPr lang="en-IN" sz="2400" dirty="0" smtClean="0">
-                <a:latin typeface="Times New Roman" panose="02020603050405020304" pitchFamily="18" charset="0"/>
-                <a:cs typeface="Times New Roman" panose="02020603050405020304" pitchFamily="18" charset="0"/>
-              </a:rPr>
-              <a:t>column chart to find the highest and lowest position.</a:t>
+              <a:t>selected column chart to find the highest and lowest position.</a:t>
             </a:r>
           </a:p>
           <a:p>
@@ -7269,6 +10817,92 @@
       </p:grpSpPr>
       <p:sp>
         <p:nvSpPr>
+          <p:cNvPr id="3" name="Title 2"/>
+          <p:cNvSpPr>
+            <a:spLocks noGrp="1"/>
+          </p:cNvSpPr>
+          <p:nvPr>
+            <p:ph type="title"/>
+          </p:nvPr>
+        </p:nvSpPr>
+        <p:spPr/>
+        <p:txBody>
+          <a:bodyPr>
+            <a:normAutofit/>
+          </a:bodyPr>
+          <a:lstStyle/>
+          <a:p>
+            <a:r>
+              <a:rPr lang="en-IN" sz="4000" dirty="0" smtClean="0">
+                <a:latin typeface="Times New Roman" panose="02020603050405020304" pitchFamily="18" charset="0"/>
+                <a:cs typeface="Times New Roman" panose="02020603050405020304" pitchFamily="18" charset="0"/>
+              </a:rPr>
+              <a:t>High level results </a:t>
+            </a:r>
+            <a:endParaRPr lang="en-IN" sz="4000" dirty="0">
+              <a:latin typeface="Times New Roman" panose="02020603050405020304" pitchFamily="18" charset="0"/>
+              <a:cs typeface="Times New Roman" panose="02020603050405020304" pitchFamily="18" charset="0"/>
+            </a:endParaRPr>
+          </a:p>
+        </p:txBody>
+      </p:sp>
+      <p:graphicFrame>
+        <p:nvGraphicFramePr>
+          <p:cNvPr id="4" name="Content Placeholder 3"/>
+          <p:cNvGraphicFramePr>
+            <a:graphicFrameLocks noGrp="1"/>
+          </p:cNvGraphicFramePr>
+          <p:nvPr>
+            <p:ph idx="1"/>
+            <p:extLst>
+              <p:ext uri="{D42A27DB-BD31-4B8C-83A1-F6EECF244321}">
+                <p14:modId xmlns:p14="http://schemas.microsoft.com/office/powerpoint/2010/main" val="3528796702"/>
+              </p:ext>
+            </p:extLst>
+          </p:nvPr>
+        </p:nvGraphicFramePr>
+        <p:xfrm>
+          <a:off x="2625634" y="1736189"/>
+          <a:ext cx="6439989" cy="3612009"/>
+        </p:xfrm>
+        <a:graphic>
+          <a:graphicData uri="http://schemas.openxmlformats.org/drawingml/2006/chart">
+            <c:chart xmlns:c="http://schemas.openxmlformats.org/drawingml/2006/chart" xmlns:r="http://schemas.openxmlformats.org/officeDocument/2006/relationships" r:id="rId2"/>
+          </a:graphicData>
+        </a:graphic>
+      </p:graphicFrame>
+    </p:spTree>
+    <p:extLst>
+      <p:ext uri="{BB962C8B-B14F-4D97-AF65-F5344CB8AC3E}">
+        <p14:creationId xmlns:p14="http://schemas.microsoft.com/office/powerpoint/2010/main" val="4074824200"/>
+      </p:ext>
+    </p:extLst>
+  </p:cSld>
+  <p:clrMapOvr>
+    <a:masterClrMapping/>
+  </p:clrMapOvr>
+</p:sld>
+</file>
+
+<file path=ppt/slides/slide15.xml><?xml version="1.0" encoding="utf-8"?>
+<p:sld xmlns:a="http://schemas.openxmlformats.org/drawingml/2006/main" xmlns:r="http://schemas.openxmlformats.org/officeDocument/2006/relationships" xmlns:p="http://schemas.openxmlformats.org/presentationml/2006/main">
+  <p:cSld>
+    <p:spTree>
+      <p:nvGrpSpPr>
+        <p:cNvPr id="1" name=""/>
+        <p:cNvGrpSpPr/>
+        <p:nvPr/>
+      </p:nvGrpSpPr>
+      <p:grpSpPr>
+        <a:xfrm>
+          <a:off x="0" y="0"/>
+          <a:ext cx="0" cy="0"/>
+          <a:chOff x="0" y="0"/>
+          <a:chExt cx="0" cy="0"/>
+        </a:xfrm>
+      </p:grpSpPr>
+      <p:sp>
+        <p:nvSpPr>
           <p:cNvPr id="2" name="Content Placeholder 1"/>
           <p:cNvSpPr>
             <a:spLocks noGrp="1"/>
@@ -7294,98 +10928,7 @@
                 <a:latin typeface="Times New Roman" panose="02020603050405020304" pitchFamily="18" charset="0"/>
                 <a:cs typeface="Times New Roman" panose="02020603050405020304" pitchFamily="18" charset="0"/>
               </a:rPr>
-              <a:t>While comparing the performance of the female </a:t>
-            </a:r>
-            <a:r>
-              <a:rPr lang="en-IN" sz="2400" dirty="0" smtClean="0">
-                <a:latin typeface="Times New Roman" panose="02020603050405020304" pitchFamily="18" charset="0"/>
-                <a:cs typeface="Times New Roman" panose="02020603050405020304" pitchFamily="18" charset="0"/>
-              </a:rPr>
-              <a:t>employee </a:t>
-            </a:r>
-            <a:r>
-              <a:rPr lang="en-IN" sz="2400" dirty="0" smtClean="0">
-                <a:latin typeface="Times New Roman" panose="02020603050405020304" pitchFamily="18" charset="0"/>
-                <a:cs typeface="Times New Roman" panose="02020603050405020304" pitchFamily="18" charset="0"/>
-              </a:rPr>
-              <a:t>the medium </a:t>
-            </a:r>
-            <a:r>
-              <a:rPr lang="en-IN" sz="2400" dirty="0" smtClean="0">
-                <a:latin typeface="Times New Roman" panose="02020603050405020304" pitchFamily="18" charset="0"/>
-                <a:cs typeface="Times New Roman" panose="02020603050405020304" pitchFamily="18" charset="0"/>
-              </a:rPr>
-              <a:t>level</a:t>
-            </a:r>
-            <a:r>
-              <a:rPr lang="en-IN" sz="2400" dirty="0" smtClean="0">
-                <a:latin typeface="Times New Roman" panose="02020603050405020304" pitchFamily="18" charset="0"/>
-                <a:cs typeface="Times New Roman" panose="02020603050405020304" pitchFamily="18" charset="0"/>
-              </a:rPr>
-              <a:t> </a:t>
-            </a:r>
-            <a:r>
-              <a:rPr lang="en-IN" sz="2400" dirty="0" smtClean="0">
-                <a:latin typeface="Times New Roman" panose="02020603050405020304" pitchFamily="18" charset="0"/>
-                <a:cs typeface="Times New Roman" panose="02020603050405020304" pitchFamily="18" charset="0"/>
-              </a:rPr>
-              <a:t>of employees are higher than other level of employees so those </a:t>
-            </a:r>
-            <a:r>
-              <a:rPr lang="en-IN" sz="2400" dirty="0" smtClean="0">
-                <a:latin typeface="Times New Roman" panose="02020603050405020304" pitchFamily="18" charset="0"/>
-                <a:cs typeface="Times New Roman" panose="02020603050405020304" pitchFamily="18" charset="0"/>
-              </a:rPr>
-              <a:t>employees </a:t>
-            </a:r>
-            <a:r>
-              <a:rPr lang="en-IN" sz="2400" dirty="0" smtClean="0">
-                <a:latin typeface="Times New Roman" panose="02020603050405020304" pitchFamily="18" charset="0"/>
-                <a:cs typeface="Times New Roman" panose="02020603050405020304" pitchFamily="18" charset="0"/>
-              </a:rPr>
-              <a:t>should be </a:t>
-            </a:r>
-            <a:r>
-              <a:rPr lang="en-IN" sz="2400" dirty="0" smtClean="0">
-                <a:latin typeface="Times New Roman" panose="02020603050405020304" pitchFamily="18" charset="0"/>
-                <a:cs typeface="Times New Roman" panose="02020603050405020304" pitchFamily="18" charset="0"/>
-              </a:rPr>
-              <a:t>incremented</a:t>
-            </a:r>
-            <a:r>
-              <a:rPr lang="en-IN" sz="2400" dirty="0" smtClean="0">
-                <a:latin typeface="Times New Roman" panose="02020603050405020304" pitchFamily="18" charset="0"/>
-                <a:cs typeface="Times New Roman" panose="02020603050405020304" pitchFamily="18" charset="0"/>
-              </a:rPr>
-              <a:t> </a:t>
-            </a:r>
-            <a:r>
-              <a:rPr lang="en-IN" sz="2400" dirty="0" smtClean="0">
-                <a:latin typeface="Times New Roman" panose="02020603050405020304" pitchFamily="18" charset="0"/>
-                <a:cs typeface="Times New Roman" panose="02020603050405020304" pitchFamily="18" charset="0"/>
-              </a:rPr>
-              <a:t>and the higher level </a:t>
-            </a:r>
-            <a:r>
-              <a:rPr lang="en-IN" sz="2400" dirty="0" smtClean="0">
-                <a:latin typeface="Times New Roman" panose="02020603050405020304" pitchFamily="18" charset="0"/>
-                <a:cs typeface="Times New Roman" panose="02020603050405020304" pitchFamily="18" charset="0"/>
-              </a:rPr>
-              <a:t>employees </a:t>
-            </a:r>
-            <a:r>
-              <a:rPr lang="en-IN" sz="2400" dirty="0" smtClean="0">
-                <a:latin typeface="Times New Roman" panose="02020603050405020304" pitchFamily="18" charset="0"/>
-                <a:cs typeface="Times New Roman" panose="02020603050405020304" pitchFamily="18" charset="0"/>
-              </a:rPr>
-              <a:t>are very low so those employees should be </a:t>
-            </a:r>
-            <a:r>
-              <a:rPr lang="en-IN" sz="2400" dirty="0" smtClean="0">
-                <a:latin typeface="Times New Roman" panose="02020603050405020304" pitchFamily="18" charset="0"/>
-                <a:cs typeface="Times New Roman" panose="02020603050405020304" pitchFamily="18" charset="0"/>
-              </a:rPr>
-              <a:t>encourage by more new </a:t>
+              <a:t>While comparing the performance of the female employee the medium level of employees are higher than other level of employees so those employees should be incremented and the higher level employees are very low so those employees should be encourage by more new </a:t>
             </a:r>
             <a:r>
               <a:rPr lang="en-IN" sz="2400" dirty="0" err="1" smtClean="0">
@@ -7399,33 +10942,8 @@
                 <a:latin typeface="Times New Roman" panose="02020603050405020304" pitchFamily="18" charset="0"/>
                 <a:cs typeface="Times New Roman" panose="02020603050405020304" pitchFamily="18" charset="0"/>
               </a:rPr>
-              <a:t> </a:t>
-            </a:r>
-            <a:r>
-              <a:rPr lang="en-IN" sz="2400" dirty="0" smtClean="0">
-                <a:latin typeface="Times New Roman" panose="02020603050405020304" pitchFamily="18" charset="0"/>
-                <a:cs typeface="Times New Roman" panose="02020603050405020304" pitchFamily="18" charset="0"/>
-              </a:rPr>
-              <a:t>. </a:t>
-            </a:r>
-            <a:r>
-              <a:rPr lang="en-IN" sz="2400" dirty="0" smtClean="0">
-                <a:latin typeface="Times New Roman" panose="02020603050405020304" pitchFamily="18" charset="0"/>
-                <a:cs typeface="Times New Roman" panose="02020603050405020304" pitchFamily="18" charset="0"/>
-              </a:rPr>
-              <a:t>The lower level employees are quite higher than high level employees so they can be treated more efficient than high level </a:t>
-            </a:r>
-            <a:r>
-              <a:rPr lang="en-IN" sz="2400" dirty="0" smtClean="0">
-                <a:latin typeface="Times New Roman" panose="02020603050405020304" pitchFamily="18" charset="0"/>
-                <a:cs typeface="Times New Roman" panose="02020603050405020304" pitchFamily="18" charset="0"/>
-              </a:rPr>
-              <a:t>employees .</a:t>
-            </a:r>
-            <a:endParaRPr lang="en-IN" sz="2400" dirty="0" smtClean="0">
-              <a:latin typeface="Times New Roman" panose="02020603050405020304" pitchFamily="18" charset="0"/>
-              <a:cs typeface="Times New Roman" panose="02020603050405020304" pitchFamily="18" charset="0"/>
-            </a:endParaRPr>
+              <a:t> . The lower level employees are quite higher than high level employees so they can be treated more efficient than high level employees .</a:t>
+            </a:r>
           </a:p>
           <a:p>
             <a:endParaRPr lang="en-IN" sz="2400" dirty="0">
@@ -7532,7 +11050,7 @@
           <p:cNvPr id="2" name="Title 1">
             <a:extLst>
               <a:ext uri="{FF2B5EF4-FFF2-40B4-BE49-F238E27FC236}">
-                <a16:creationId xmlns="" xmlns:a16="http://schemas.microsoft.com/office/drawing/2014/main" id="{B569CD3E-5E33-4EB5-A2CE-C636605E633F}"/>
+                <a16:creationId xmlns:a16="http://schemas.microsoft.com/office/drawing/2014/main" xmlns="" id="{B569CD3E-5E33-4EB5-A2CE-C636605E633F}"/>
               </a:ext>
             </a:extLst>
           </p:cNvPr>
@@ -7580,7 +11098,7 @@
           <p:cNvPr id="3" name="Content Placeholder 2">
             <a:extLst>
               <a:ext uri="{FF2B5EF4-FFF2-40B4-BE49-F238E27FC236}">
-                <a16:creationId xmlns="" xmlns:a16="http://schemas.microsoft.com/office/drawing/2014/main" id="{C3C0199F-A274-44C6-BF37-784A855E6EEA}"/>
+                <a16:creationId xmlns:a16="http://schemas.microsoft.com/office/drawing/2014/main" xmlns="" id="{C3C0199F-A274-44C6-BF37-784A855E6EEA}"/>
               </a:ext>
             </a:extLst>
           </p:cNvPr>
@@ -9773,20 +13291,20 @@
 </file>
 
 <file path=customXml/item1.xml><?xml version="1.0" encoding="utf-8"?>
+<p:properties xmlns:p="http://schemas.microsoft.com/office/2006/metadata/properties" xmlns:xsi="http://www.w3.org/2001/XMLSchema-instance" xmlns:pc="http://schemas.microsoft.com/office/infopath/2007/PartnerControls">
+  <documentManagement>
+    <MediaServiceKeyPoints xmlns="71af3243-3dd4-4a8d-8c0d-dd76da1f02a5" xsi:nil="true"/>
+  </documentManagement>
+</p:properties>
+</file>
+
+<file path=customXml/item2.xml><?xml version="1.0" encoding="utf-8"?>
 <?mso-contentType ?>
 <FormTemplates xmlns="http://schemas.microsoft.com/sharepoint/v3/contenttype/forms">
   <Display>DocumentLibraryForm</Display>
   <Edit>DocumentLibraryForm</Edit>
   <New>DocumentLibraryForm</New>
 </FormTemplates>
-</file>
-
-<file path=customXml/item2.xml><?xml version="1.0" encoding="utf-8"?>
-<p:properties xmlns:p="http://schemas.microsoft.com/office/2006/metadata/properties" xmlns:xsi="http://www.w3.org/2001/XMLSchema-instance" xmlns:pc="http://schemas.microsoft.com/office/infopath/2007/PartnerControls">
-  <documentManagement>
-    <MediaServiceKeyPoints xmlns="71af3243-3dd4-4a8d-8c0d-dd76da1f02a5" xsi:nil="true"/>
-  </documentManagement>
-</p:properties>
 </file>
 
 <file path=customXml/item3.xml><?xml version="1.0" encoding="utf-8"?>
@@ -10001,19 +13519,19 @@
 </file>
 
 <file path=customXml/itemProps1.xml><?xml version="1.0" encoding="utf-8"?>
-<ds:datastoreItem xmlns:ds="http://schemas.openxmlformats.org/officeDocument/2006/customXml" ds:itemID="{459C8665-7E41-4E8E-957E-307F6F826AF4}">
+<ds:datastoreItem xmlns:ds="http://schemas.openxmlformats.org/officeDocument/2006/customXml" ds:itemID="{FA1DB373-C1A1-4924-9AF2-F04368201509}">
   <ds:schemaRefs>
-    <ds:schemaRef ds:uri="http://schemas.microsoft.com/sharepoint/v3/contenttype/forms"/>
+    <ds:schemaRef ds:uri="http://schemas.microsoft.com/office/2006/metadata/properties"/>
+    <ds:schemaRef ds:uri="http://schemas.microsoft.com/office/infopath/2007/PartnerControls"/>
+    <ds:schemaRef ds:uri="71af3243-3dd4-4a8d-8c0d-dd76da1f02a5"/>
   </ds:schemaRefs>
 </ds:datastoreItem>
 </file>
 
 <file path=customXml/itemProps2.xml><?xml version="1.0" encoding="utf-8"?>
-<ds:datastoreItem xmlns:ds="http://schemas.openxmlformats.org/officeDocument/2006/customXml" ds:itemID="{FA1DB373-C1A1-4924-9AF2-F04368201509}">
+<ds:datastoreItem xmlns:ds="http://schemas.openxmlformats.org/officeDocument/2006/customXml" ds:itemID="{459C8665-7E41-4E8E-957E-307F6F826AF4}">
   <ds:schemaRefs>
-    <ds:schemaRef ds:uri="http://schemas.microsoft.com/office/2006/metadata/properties"/>
-    <ds:schemaRef ds:uri="http://schemas.microsoft.com/office/infopath/2007/PartnerControls"/>
-    <ds:schemaRef ds:uri="71af3243-3dd4-4a8d-8c0d-dd76da1f02a5"/>
+    <ds:schemaRef ds:uri="http://schemas.microsoft.com/sharepoint/v3/contenttype/forms"/>
   </ds:schemaRefs>
 </ds:datastoreItem>
 </file>
